--- a/Summer2023/BUS243/lecture_note/lecture4.pptx
+++ b/Summer2023/BUS243/lecture_note/lecture4.pptx
@@ -649,7 +649,7 @@
           <a:p>
             <a:fld id="{3CADBD16-5BFB-4D9F-9646-C75D1B53BBB6}" type="datetimeFigureOut">
               <a:rPr lang="en-US" smtClean="0"/>
-              <a:t>6/8/23</a:t>
+              <a:t>7/14/23</a:t>
             </a:fld>
             <a:endParaRPr lang="en-US"/>
           </a:p>
@@ -827,7 +827,7 @@
             <a:fld id="{3CADBD16-5BFB-4D9F-9646-C75D1B53BBB6}" type="datetimeFigureOut">
               <a:rPr lang="en-US" smtClean="0"/>
               <a:pPr/>
-              <a:t>6/8/23</a:t>
+              <a:t>7/14/23</a:t>
             </a:fld>
             <a:endParaRPr lang="en-US" dirty="0"/>
           </a:p>
@@ -1009,7 +1009,7 @@
             <a:fld id="{3CADBD16-5BFB-4D9F-9646-C75D1B53BBB6}" type="datetimeFigureOut">
               <a:rPr lang="en-US" smtClean="0"/>
               <a:pPr/>
-              <a:t>6/8/23</a:t>
+              <a:t>7/14/23</a:t>
             </a:fld>
             <a:endParaRPr lang="en-US" dirty="0"/>
           </a:p>
@@ -1181,7 +1181,7 @@
             <a:fld id="{3CADBD16-5BFB-4D9F-9646-C75D1B53BBB6}" type="datetimeFigureOut">
               <a:rPr lang="en-US" smtClean="0"/>
               <a:pPr/>
-              <a:t>6/8/23</a:t>
+              <a:t>7/14/23</a:t>
             </a:fld>
             <a:endParaRPr lang="en-US" dirty="0"/>
           </a:p>
@@ -1503,7 +1503,7 @@
           <a:p>
             <a:fld id="{3CADBD16-5BFB-4D9F-9646-C75D1B53BBB6}" type="datetimeFigureOut">
               <a:rPr lang="en-US" smtClean="0"/>
-              <a:t>6/8/23</a:t>
+              <a:t>7/14/23</a:t>
             </a:fld>
             <a:endParaRPr lang="en-US"/>
           </a:p>
@@ -1964,7 +1964,7 @@
             <a:fld id="{3CADBD16-5BFB-4D9F-9646-C75D1B53BBB6}" type="datetimeFigureOut">
               <a:rPr lang="en-US" smtClean="0"/>
               <a:pPr/>
-              <a:t>6/8/23</a:t>
+              <a:t>7/14/23</a:t>
             </a:fld>
             <a:endParaRPr lang="en-US" dirty="0"/>
           </a:p>
@@ -2377,7 +2377,7 @@
             <a:fld id="{3CADBD16-5BFB-4D9F-9646-C75D1B53BBB6}" type="datetimeFigureOut">
               <a:rPr lang="en-US" smtClean="0"/>
               <a:pPr/>
-              <a:t>6/8/23</a:t>
+              <a:t>7/14/23</a:t>
             </a:fld>
             <a:endParaRPr lang="en-US" dirty="0"/>
           </a:p>
@@ -2496,7 +2496,7 @@
           <a:p>
             <a:fld id="{3CADBD16-5BFB-4D9F-9646-C75D1B53BBB6}" type="datetimeFigureOut">
               <a:rPr lang="en-US" smtClean="0"/>
-              <a:t>6/8/23</a:t>
+              <a:t>7/14/23</a:t>
             </a:fld>
             <a:endParaRPr lang="en-US"/>
           </a:p>
@@ -2613,7 +2613,7 @@
           <a:p>
             <a:fld id="{3CADBD16-5BFB-4D9F-9646-C75D1B53BBB6}" type="datetimeFigureOut">
               <a:rPr lang="en-US" smtClean="0"/>
-              <a:t>6/8/23</a:t>
+              <a:t>7/14/23</a:t>
             </a:fld>
             <a:endParaRPr lang="en-US"/>
           </a:p>
@@ -2972,7 +2972,7 @@
             <a:fld id="{3CADBD16-5BFB-4D9F-9646-C75D1B53BBB6}" type="datetimeFigureOut">
               <a:rPr lang="en-US" smtClean="0"/>
               <a:pPr/>
-              <a:t>6/8/23</a:t>
+              <a:t>7/14/23</a:t>
             </a:fld>
             <a:endParaRPr lang="en-US" dirty="0"/>
           </a:p>
@@ -3481,7 +3481,7 @@
             <a:fld id="{3CADBD16-5BFB-4D9F-9646-C75D1B53BBB6}" type="datetimeFigureOut">
               <a:rPr lang="en-US" smtClean="0"/>
               <a:pPr/>
-              <a:t>6/8/23</a:t>
+              <a:t>7/14/23</a:t>
             </a:fld>
             <a:endParaRPr lang="en-US" dirty="0"/>
           </a:p>
@@ -3838,7 +3838,7 @@
             <a:fld id="{3CADBD16-5BFB-4D9F-9646-C75D1B53BBB6}" type="datetimeFigureOut">
               <a:rPr lang="en-US" smtClean="0"/>
               <a:pPr/>
-              <a:t>6/8/23</a:t>
+              <a:t>7/14/23</a:t>
             </a:fld>
             <a:endParaRPr lang="en-US" dirty="0"/>
           </a:p>

--- a/Summer2023/BUS243/lecture_note/lecture4.pptx
+++ b/Summer2023/BUS243/lecture_note/lecture4.pptx
@@ -11,37 +11,39 @@
     <p:sldId id="280" r:id="rId5"/>
     <p:sldId id="282" r:id="rId6"/>
     <p:sldId id="281" r:id="rId7"/>
-    <p:sldId id="283" r:id="rId8"/>
-    <p:sldId id="261" r:id="rId9"/>
-    <p:sldId id="284" r:id="rId10"/>
-    <p:sldId id="286" r:id="rId11"/>
-    <p:sldId id="287" r:id="rId12"/>
-    <p:sldId id="288" r:id="rId13"/>
-    <p:sldId id="285" r:id="rId14"/>
-    <p:sldId id="290" r:id="rId15"/>
-    <p:sldId id="291" r:id="rId16"/>
-    <p:sldId id="289" r:id="rId17"/>
-    <p:sldId id="292" r:id="rId18"/>
-    <p:sldId id="293" r:id="rId19"/>
-    <p:sldId id="294" r:id="rId20"/>
-    <p:sldId id="296" r:id="rId21"/>
-    <p:sldId id="295" r:id="rId22"/>
-    <p:sldId id="297" r:id="rId23"/>
-    <p:sldId id="298" r:id="rId24"/>
-    <p:sldId id="299" r:id="rId25"/>
-    <p:sldId id="301" r:id="rId26"/>
-    <p:sldId id="302" r:id="rId27"/>
-    <p:sldId id="303" r:id="rId28"/>
-    <p:sldId id="304" r:id="rId29"/>
-    <p:sldId id="305" r:id="rId30"/>
-    <p:sldId id="300" r:id="rId31"/>
-    <p:sldId id="307" r:id="rId32"/>
-    <p:sldId id="306" r:id="rId33"/>
-    <p:sldId id="309" r:id="rId34"/>
-    <p:sldId id="310" r:id="rId35"/>
-    <p:sldId id="311" r:id="rId36"/>
-    <p:sldId id="312" r:id="rId37"/>
-    <p:sldId id="313" r:id="rId38"/>
+    <p:sldId id="314" r:id="rId8"/>
+    <p:sldId id="283" r:id="rId9"/>
+    <p:sldId id="315" r:id="rId10"/>
+    <p:sldId id="261" r:id="rId11"/>
+    <p:sldId id="284" r:id="rId12"/>
+    <p:sldId id="286" r:id="rId13"/>
+    <p:sldId id="287" r:id="rId14"/>
+    <p:sldId id="288" r:id="rId15"/>
+    <p:sldId id="285" r:id="rId16"/>
+    <p:sldId id="290" r:id="rId17"/>
+    <p:sldId id="291" r:id="rId18"/>
+    <p:sldId id="289" r:id="rId19"/>
+    <p:sldId id="292" r:id="rId20"/>
+    <p:sldId id="293" r:id="rId21"/>
+    <p:sldId id="294" r:id="rId22"/>
+    <p:sldId id="296" r:id="rId23"/>
+    <p:sldId id="295" r:id="rId24"/>
+    <p:sldId id="297" r:id="rId25"/>
+    <p:sldId id="298" r:id="rId26"/>
+    <p:sldId id="299" r:id="rId27"/>
+    <p:sldId id="301" r:id="rId28"/>
+    <p:sldId id="302" r:id="rId29"/>
+    <p:sldId id="303" r:id="rId30"/>
+    <p:sldId id="304" r:id="rId31"/>
+    <p:sldId id="305" r:id="rId32"/>
+    <p:sldId id="300" r:id="rId33"/>
+    <p:sldId id="307" r:id="rId34"/>
+    <p:sldId id="306" r:id="rId35"/>
+    <p:sldId id="309" r:id="rId36"/>
+    <p:sldId id="310" r:id="rId37"/>
+    <p:sldId id="311" r:id="rId38"/>
+    <p:sldId id="312" r:id="rId39"/>
+    <p:sldId id="313" r:id="rId40"/>
   </p:sldIdLst>
   <p:sldSz cx="12192000" cy="6858000"/>
   <p:notesSz cx="6858000" cy="9144000"/>
@@ -649,7 +651,7 @@
           <a:p>
             <a:fld id="{3CADBD16-5BFB-4D9F-9646-C75D1B53BBB6}" type="datetimeFigureOut">
               <a:rPr lang="en-US" smtClean="0"/>
-              <a:t>7/14/23</a:t>
+              <a:t>7/19/23</a:t>
             </a:fld>
             <a:endParaRPr lang="en-US"/>
           </a:p>
@@ -827,7 +829,7 @@
             <a:fld id="{3CADBD16-5BFB-4D9F-9646-C75D1B53BBB6}" type="datetimeFigureOut">
               <a:rPr lang="en-US" smtClean="0"/>
               <a:pPr/>
-              <a:t>7/14/23</a:t>
+              <a:t>7/19/23</a:t>
             </a:fld>
             <a:endParaRPr lang="en-US" dirty="0"/>
           </a:p>
@@ -1009,7 +1011,7 @@
             <a:fld id="{3CADBD16-5BFB-4D9F-9646-C75D1B53BBB6}" type="datetimeFigureOut">
               <a:rPr lang="en-US" smtClean="0"/>
               <a:pPr/>
-              <a:t>7/14/23</a:t>
+              <a:t>7/19/23</a:t>
             </a:fld>
             <a:endParaRPr lang="en-US" dirty="0"/>
           </a:p>
@@ -1181,7 +1183,7 @@
             <a:fld id="{3CADBD16-5BFB-4D9F-9646-C75D1B53BBB6}" type="datetimeFigureOut">
               <a:rPr lang="en-US" smtClean="0"/>
               <a:pPr/>
-              <a:t>7/14/23</a:t>
+              <a:t>7/19/23</a:t>
             </a:fld>
             <a:endParaRPr lang="en-US" dirty="0"/>
           </a:p>
@@ -1503,7 +1505,7 @@
           <a:p>
             <a:fld id="{3CADBD16-5BFB-4D9F-9646-C75D1B53BBB6}" type="datetimeFigureOut">
               <a:rPr lang="en-US" smtClean="0"/>
-              <a:t>7/14/23</a:t>
+              <a:t>7/19/23</a:t>
             </a:fld>
             <a:endParaRPr lang="en-US"/>
           </a:p>
@@ -1964,7 +1966,7 @@
             <a:fld id="{3CADBD16-5BFB-4D9F-9646-C75D1B53BBB6}" type="datetimeFigureOut">
               <a:rPr lang="en-US" smtClean="0"/>
               <a:pPr/>
-              <a:t>7/14/23</a:t>
+              <a:t>7/19/23</a:t>
             </a:fld>
             <a:endParaRPr lang="en-US" dirty="0"/>
           </a:p>
@@ -2377,7 +2379,7 @@
             <a:fld id="{3CADBD16-5BFB-4D9F-9646-C75D1B53BBB6}" type="datetimeFigureOut">
               <a:rPr lang="en-US" smtClean="0"/>
               <a:pPr/>
-              <a:t>7/14/23</a:t>
+              <a:t>7/19/23</a:t>
             </a:fld>
             <a:endParaRPr lang="en-US" dirty="0"/>
           </a:p>
@@ -2496,7 +2498,7 @@
           <a:p>
             <a:fld id="{3CADBD16-5BFB-4D9F-9646-C75D1B53BBB6}" type="datetimeFigureOut">
               <a:rPr lang="en-US" smtClean="0"/>
-              <a:t>7/14/23</a:t>
+              <a:t>7/19/23</a:t>
             </a:fld>
             <a:endParaRPr lang="en-US"/>
           </a:p>
@@ -2613,7 +2615,7 @@
           <a:p>
             <a:fld id="{3CADBD16-5BFB-4D9F-9646-C75D1B53BBB6}" type="datetimeFigureOut">
               <a:rPr lang="en-US" smtClean="0"/>
-              <a:t>7/14/23</a:t>
+              <a:t>7/19/23</a:t>
             </a:fld>
             <a:endParaRPr lang="en-US"/>
           </a:p>
@@ -2972,7 +2974,7 @@
             <a:fld id="{3CADBD16-5BFB-4D9F-9646-C75D1B53BBB6}" type="datetimeFigureOut">
               <a:rPr lang="en-US" smtClean="0"/>
               <a:pPr/>
-              <a:t>7/14/23</a:t>
+              <a:t>7/19/23</a:t>
             </a:fld>
             <a:endParaRPr lang="en-US" dirty="0"/>
           </a:p>
@@ -3481,7 +3483,7 @@
             <a:fld id="{3CADBD16-5BFB-4D9F-9646-C75D1B53BBB6}" type="datetimeFigureOut">
               <a:rPr lang="en-US" smtClean="0"/>
               <a:pPr/>
-              <a:t>7/14/23</a:t>
+              <a:t>7/19/23</a:t>
             </a:fld>
             <a:endParaRPr lang="en-US" dirty="0"/>
           </a:p>
@@ -3838,7 +3840,7 @@
             <a:fld id="{3CADBD16-5BFB-4D9F-9646-C75D1B53BBB6}" type="datetimeFigureOut">
               <a:rPr lang="en-US" smtClean="0"/>
               <a:pPr/>
-              <a:t>7/14/23</a:t>
+              <a:t>7/19/23</a:t>
             </a:fld>
             <a:endParaRPr lang="en-US" dirty="0"/>
           </a:p>
@@ -5023,6 +5025,961 @@
       </p:grpSpPr>
       <p:sp>
         <p:nvSpPr>
+          <p:cNvPr id="2" name="Title 1">
+            <a:extLst>
+              <a:ext uri="{FF2B5EF4-FFF2-40B4-BE49-F238E27FC236}">
+                <a16:creationId xmlns:a16="http://schemas.microsoft.com/office/drawing/2014/main" id="{AABE9EF7-1CBF-A90C-5E4F-11C2B0BE870F}"/>
+              </a:ext>
+            </a:extLst>
+          </p:cNvPr>
+          <p:cNvSpPr>
+            <a:spLocks noGrp="1"/>
+          </p:cNvSpPr>
+          <p:nvPr>
+            <p:ph type="title"/>
+          </p:nvPr>
+        </p:nvSpPr>
+        <p:spPr/>
+        <p:txBody>
+          <a:bodyPr/>
+          <a:lstStyle/>
+          <a:p>
+            <a:r>
+              <a:rPr lang="en-US" dirty="0"/>
+              <a:t>Naïve Bayes </a:t>
+            </a:r>
+          </a:p>
+        </p:txBody>
+      </p:sp>
+      <mc:AlternateContent xmlns:mc="http://schemas.openxmlformats.org/markup-compatibility/2006">
+        <mc:Choice xmlns:a14="http://schemas.microsoft.com/office/drawing/2010/main" Requires="a14">
+          <p:sp>
+            <p:nvSpPr>
+              <p:cNvPr id="3" name="Content Placeholder 2">
+                <a:extLst>
+                  <a:ext uri="{FF2B5EF4-FFF2-40B4-BE49-F238E27FC236}">
+                    <a16:creationId xmlns:a16="http://schemas.microsoft.com/office/drawing/2014/main" id="{4E8B1250-7ADB-DFF0-9E98-D6659035BBDF}"/>
+                  </a:ext>
+                </a:extLst>
+              </p:cNvPr>
+              <p:cNvSpPr>
+                <a:spLocks noGrp="1"/>
+              </p:cNvSpPr>
+              <p:nvPr>
+                <p:ph idx="1"/>
+              </p:nvPr>
+            </p:nvSpPr>
+            <p:spPr/>
+            <p:txBody>
+              <a:bodyPr>
+                <a:normAutofit/>
+              </a:bodyPr>
+              <a:lstStyle/>
+              <a:p>
+                <a:pPr>
+                  <a:lnSpc>
+                    <a:spcPct val="150000"/>
+                  </a:lnSpc>
+                </a:pPr>
+                <a:r>
+                  <a:rPr lang="en-US" sz="3200" dirty="0"/>
+                  <a:t>Simple Naïve Bayes classifier</a:t>
+                </a:r>
+              </a:p>
+              <a:p>
+                <a:pPr lvl="1">
+                  <a:lnSpc>
+                    <a:spcPct val="150000"/>
+                  </a:lnSpc>
+                </a:pPr>
+                <a:r>
+                  <a:rPr lang="en-US" sz="2800" dirty="0"/>
+                  <a:t>Rely on additional assumptions: </a:t>
+                </a:r>
+                <a:r>
+                  <a:rPr lang="en-US" sz="2800" b="1" dirty="0"/>
+                  <a:t>Bag of words</a:t>
+                </a:r>
+              </a:p>
+              <a:p>
+                <a:pPr>
+                  <a:lnSpc>
+                    <a:spcPct val="150000"/>
+                  </a:lnSpc>
+                </a:pPr>
+                <a:r>
+                  <a:rPr lang="en-US" sz="3000" dirty="0"/>
+                  <a:t>For a document </a:t>
+                </a:r>
+                <a:r>
+                  <a:rPr lang="en-US" sz="3000" i="1" dirty="0"/>
+                  <a:t>d</a:t>
+                </a:r>
+                <a:r>
+                  <a:rPr lang="en-US" sz="3000" dirty="0"/>
+                  <a:t> and class </a:t>
+                </a:r>
+                <a:r>
+                  <a:rPr lang="en-US" sz="3000" i="1" dirty="0"/>
+                  <a:t>c</a:t>
+                </a:r>
+              </a:p>
+              <a:p>
+                <a:pPr lvl="1">
+                  <a:lnSpc>
+                    <a:spcPct val="150000"/>
+                  </a:lnSpc>
+                </a:pPr>
+                <a14:m>
+                  <m:oMath xmlns:m="http://schemas.openxmlformats.org/officeDocument/2006/math">
+                    <m:acc>
+                      <m:accPr>
+                        <m:chr m:val="̂"/>
+                        <m:ctrlPr>
+                          <a:rPr lang="en-US" sz="2800" i="1" smtClean="0">
+                            <a:latin typeface="Cambria Math" panose="02040503050406030204" pitchFamily="18" charset="0"/>
+                          </a:rPr>
+                        </m:ctrlPr>
+                      </m:accPr>
+                      <m:e>
+                        <m:r>
+                          <a:rPr lang="en-US" sz="2800" b="0" i="1" smtClean="0">
+                            <a:latin typeface="Cambria Math" panose="02040503050406030204" pitchFamily="18" charset="0"/>
+                          </a:rPr>
+                          <m:t>𝑐</m:t>
+                        </m:r>
+                      </m:e>
+                    </m:acc>
+                    <m:r>
+                      <a:rPr lang="en-US" sz="2800" b="0" i="1" smtClean="0">
+                        <a:latin typeface="Cambria Math" panose="02040503050406030204" pitchFamily="18" charset="0"/>
+                      </a:rPr>
+                      <m:t>=</m:t>
+                    </m:r>
+                    <m:sSub>
+                      <m:sSubPr>
+                        <m:ctrlPr>
+                          <a:rPr lang="en-US" sz="2800" b="0" i="1" smtClean="0">
+                            <a:latin typeface="Cambria Math" panose="02040503050406030204" pitchFamily="18" charset="0"/>
+                          </a:rPr>
+                        </m:ctrlPr>
+                      </m:sSubPr>
+                      <m:e>
+                        <m:r>
+                          <m:rPr>
+                            <m:sty m:val="p"/>
+                          </m:rPr>
+                          <a:rPr lang="en-US" sz="2800" b="0" i="0" smtClean="0">
+                            <a:latin typeface="Cambria Math" panose="02040503050406030204" pitchFamily="18" charset="0"/>
+                          </a:rPr>
+                          <m:t>argmax</m:t>
+                        </m:r>
+                      </m:e>
+                      <m:sub>
+                        <m:r>
+                          <a:rPr lang="en-US" sz="2800" b="0" i="1" smtClean="0">
+                            <a:latin typeface="Cambria Math" panose="02040503050406030204" pitchFamily="18" charset="0"/>
+                          </a:rPr>
+                          <m:t>𝑐</m:t>
+                        </m:r>
+                        <m:r>
+                          <a:rPr lang="en-US" sz="2800" b="0" i="1" smtClean="0">
+                            <a:latin typeface="Cambria Math" panose="02040503050406030204" pitchFamily="18" charset="0"/>
+                          </a:rPr>
+                          <m:t>∈</m:t>
+                        </m:r>
+                        <m:r>
+                          <a:rPr lang="en-US" sz="2800" b="0" i="1" smtClean="0">
+                            <a:latin typeface="Cambria Math" panose="02040503050406030204" pitchFamily="18" charset="0"/>
+                          </a:rPr>
+                          <m:t>𝐶</m:t>
+                        </m:r>
+                      </m:sub>
+                    </m:sSub>
+                    <m:r>
+                      <a:rPr lang="en-US" sz="2800" b="0" i="1" smtClean="0">
+                        <a:latin typeface="Cambria Math" panose="02040503050406030204" pitchFamily="18" charset="0"/>
+                      </a:rPr>
+                      <m:t>𝑃</m:t>
+                    </m:r>
+                    <m:r>
+                      <a:rPr lang="en-US" sz="2800" b="0" i="1" smtClean="0">
+                        <a:latin typeface="Cambria Math" panose="02040503050406030204" pitchFamily="18" charset="0"/>
+                      </a:rPr>
+                      <m:t>(</m:t>
+                    </m:r>
+                    <m:r>
+                      <a:rPr lang="en-US" sz="2800" b="0" i="1" smtClean="0">
+                        <a:latin typeface="Cambria Math" panose="02040503050406030204" pitchFamily="18" charset="0"/>
+                      </a:rPr>
+                      <m:t>𝑐</m:t>
+                    </m:r>
+                    <m:r>
+                      <a:rPr lang="en-US" sz="2800" b="0" i="1" smtClean="0">
+                        <a:latin typeface="Cambria Math" panose="02040503050406030204" pitchFamily="18" charset="0"/>
+                      </a:rPr>
+                      <m:t>|</m:t>
+                    </m:r>
+                    <m:r>
+                      <a:rPr lang="en-US" sz="2800" b="0" i="1" smtClean="0">
+                        <a:latin typeface="Cambria Math" panose="02040503050406030204" pitchFamily="18" charset="0"/>
+                      </a:rPr>
+                      <m:t>𝑑</m:t>
+                    </m:r>
+                    <m:r>
+                      <a:rPr lang="en-US" sz="2800" b="0" i="1" smtClean="0">
+                        <a:latin typeface="Cambria Math" panose="02040503050406030204" pitchFamily="18" charset="0"/>
+                      </a:rPr>
+                      <m:t>)</m:t>
+                    </m:r>
+                  </m:oMath>
+                </a14:m>
+                <a:endParaRPr lang="en-US" sz="2800" dirty="0"/>
+              </a:p>
+            </p:txBody>
+          </p:sp>
+        </mc:Choice>
+        <mc:Fallback>
+          <p:sp>
+            <p:nvSpPr>
+              <p:cNvPr id="3" name="Content Placeholder 2">
+                <a:extLst>
+                  <a:ext uri="{FF2B5EF4-FFF2-40B4-BE49-F238E27FC236}">
+                    <a16:creationId xmlns:a16="http://schemas.microsoft.com/office/drawing/2014/main" id="{4E8B1250-7ADB-DFF0-9E98-D6659035BBDF}"/>
+                  </a:ext>
+                </a:extLst>
+              </p:cNvPr>
+              <p:cNvSpPr>
+                <a:spLocks noGrp="1" noRot="1" noChangeAspect="1" noMove="1" noResize="1" noEditPoints="1" noAdjustHandles="1" noChangeArrowheads="1" noChangeShapeType="1" noTextEdit="1"/>
+              </p:cNvSpPr>
+              <p:nvPr>
+                <p:ph idx="1"/>
+              </p:nvPr>
+            </p:nvSpPr>
+            <p:spPr>
+              <a:blipFill>
+                <a:blip r:embed="rId2"/>
+                <a:stretch>
+                  <a:fillRect l="-1009"/>
+                </a:stretch>
+              </a:blipFill>
+            </p:spPr>
+            <p:txBody>
+              <a:bodyPr/>
+              <a:lstStyle/>
+              <a:p>
+                <a:r>
+                  <a:rPr lang="en-US">
+                    <a:noFill/>
+                  </a:rPr>
+                  <a:t> </a:t>
+                </a:r>
+              </a:p>
+            </p:txBody>
+          </p:sp>
+        </mc:Fallback>
+      </mc:AlternateContent>
+    </p:spTree>
+    <p:extLst>
+      <p:ext uri="{BB962C8B-B14F-4D97-AF65-F5344CB8AC3E}">
+        <p14:creationId xmlns:p14="http://schemas.microsoft.com/office/powerpoint/2010/main" val="1169019624"/>
+      </p:ext>
+    </p:extLst>
+  </p:cSld>
+  <p:clrMapOvr>
+    <a:masterClrMapping/>
+  </p:clrMapOvr>
+</p:sld>
+</file>
+
+<file path=ppt/slides/slide11.xml><?xml version="1.0" encoding="utf-8"?>
+<p:sld xmlns:a="http://schemas.openxmlformats.org/drawingml/2006/main" xmlns:r="http://schemas.openxmlformats.org/officeDocument/2006/relationships" xmlns:p="http://schemas.openxmlformats.org/presentationml/2006/main">
+  <p:cSld>
+    <p:spTree>
+      <p:nvGrpSpPr>
+        <p:cNvPr id="1" name=""/>
+        <p:cNvGrpSpPr/>
+        <p:nvPr/>
+      </p:nvGrpSpPr>
+      <p:grpSpPr>
+        <a:xfrm>
+          <a:off x="0" y="0"/>
+          <a:ext cx="0" cy="0"/>
+          <a:chOff x="0" y="0"/>
+          <a:chExt cx="0" cy="0"/>
+        </a:xfrm>
+      </p:grpSpPr>
+      <mc:AlternateContent xmlns:mc="http://schemas.openxmlformats.org/markup-compatibility/2006" xmlns:a14="http://schemas.microsoft.com/office/drawing/2010/main">
+        <mc:Choice Requires="a14">
+          <p:sp>
+            <p:nvSpPr>
+              <p:cNvPr id="3" name="Content Placeholder 2">
+                <a:extLst>
+                  <a:ext uri="{FF2B5EF4-FFF2-40B4-BE49-F238E27FC236}">
+                    <a16:creationId xmlns:a16="http://schemas.microsoft.com/office/drawing/2014/main" id="{875C8943-9FB9-9CD2-E02E-DAA67F1AF5CC}"/>
+                  </a:ext>
+                </a:extLst>
+              </p:cNvPr>
+              <p:cNvSpPr>
+                <a:spLocks noGrp="1"/>
+              </p:cNvSpPr>
+              <p:nvPr>
+                <p:ph idx="1"/>
+              </p:nvPr>
+            </p:nvSpPr>
+            <p:spPr>
+              <a:xfrm>
+                <a:off x="1069848" y="725214"/>
+                <a:ext cx="10058400" cy="5446986"/>
+              </a:xfrm>
+            </p:spPr>
+            <p:txBody>
+              <a:bodyPr>
+                <a:normAutofit/>
+              </a:bodyPr>
+              <a:lstStyle/>
+              <a:p>
+                <a:pPr lvl="1">
+                  <a:lnSpc>
+                    <a:spcPct val="150000"/>
+                  </a:lnSpc>
+                </a:pPr>
+                <a14:m>
+                  <m:oMath xmlns:m="http://schemas.openxmlformats.org/officeDocument/2006/math">
+                    <m:acc>
+                      <m:accPr>
+                        <m:chr m:val="̂"/>
+                        <m:ctrlPr>
+                          <a:rPr lang="en-US" sz="3200" i="1" smtClean="0">
+                            <a:latin typeface="Cambria Math" panose="02040503050406030204" pitchFamily="18" charset="0"/>
+                          </a:rPr>
+                        </m:ctrlPr>
+                      </m:accPr>
+                      <m:e>
+                        <m:r>
+                          <a:rPr lang="en-US" sz="3200" b="0" i="1" smtClean="0">
+                            <a:latin typeface="Cambria Math" panose="02040503050406030204" pitchFamily="18" charset="0"/>
+                          </a:rPr>
+                          <m:t>𝑐</m:t>
+                        </m:r>
+                      </m:e>
+                    </m:acc>
+                    <m:r>
+                      <a:rPr lang="en-US" sz="3200" b="0" i="1" smtClean="0">
+                        <a:latin typeface="Cambria Math" panose="02040503050406030204" pitchFamily="18" charset="0"/>
+                      </a:rPr>
+                      <m:t>=</m:t>
+                    </m:r>
+                    <m:sSub>
+                      <m:sSubPr>
+                        <m:ctrlPr>
+                          <a:rPr lang="en-US" sz="3200" b="0" i="1" smtClean="0">
+                            <a:latin typeface="Cambria Math" panose="02040503050406030204" pitchFamily="18" charset="0"/>
+                          </a:rPr>
+                        </m:ctrlPr>
+                      </m:sSubPr>
+                      <m:e>
+                        <m:r>
+                          <m:rPr>
+                            <m:sty m:val="p"/>
+                          </m:rPr>
+                          <a:rPr lang="en-US" sz="3200" b="0" i="0" smtClean="0">
+                            <a:latin typeface="Cambria Math" panose="02040503050406030204" pitchFamily="18" charset="0"/>
+                          </a:rPr>
+                          <m:t>argmax</m:t>
+                        </m:r>
+                      </m:e>
+                      <m:sub>
+                        <m:r>
+                          <a:rPr lang="en-US" sz="3200" b="0" i="1" smtClean="0">
+                            <a:latin typeface="Cambria Math" panose="02040503050406030204" pitchFamily="18" charset="0"/>
+                          </a:rPr>
+                          <m:t>𝑐</m:t>
+                        </m:r>
+                        <m:r>
+                          <a:rPr lang="en-US" sz="3200" b="0" i="1" smtClean="0">
+                            <a:latin typeface="Cambria Math" panose="02040503050406030204" pitchFamily="18" charset="0"/>
+                          </a:rPr>
+                          <m:t>∈</m:t>
+                        </m:r>
+                        <m:r>
+                          <a:rPr lang="en-US" sz="3200" b="0" i="1" smtClean="0">
+                            <a:latin typeface="Cambria Math" panose="02040503050406030204" pitchFamily="18" charset="0"/>
+                          </a:rPr>
+                          <m:t>𝐶</m:t>
+                        </m:r>
+                      </m:sub>
+                    </m:sSub>
+                    <m:r>
+                      <a:rPr lang="en-US" sz="3200" b="0" i="1" smtClean="0">
+                        <a:latin typeface="Cambria Math" panose="02040503050406030204" pitchFamily="18" charset="0"/>
+                      </a:rPr>
+                      <m:t>𝑃</m:t>
+                    </m:r>
+                    <m:r>
+                      <a:rPr lang="en-US" sz="3200" b="0" i="1" smtClean="0">
+                        <a:latin typeface="Cambria Math" panose="02040503050406030204" pitchFamily="18" charset="0"/>
+                      </a:rPr>
+                      <m:t>(</m:t>
+                    </m:r>
+                    <m:r>
+                      <a:rPr lang="en-US" sz="3200" b="0" i="1" smtClean="0">
+                        <a:latin typeface="Cambria Math" panose="02040503050406030204" pitchFamily="18" charset="0"/>
+                      </a:rPr>
+                      <m:t>𝑐</m:t>
+                    </m:r>
+                    <m:r>
+                      <a:rPr lang="en-US" sz="3200" b="0" i="1" smtClean="0">
+                        <a:latin typeface="Cambria Math" panose="02040503050406030204" pitchFamily="18" charset="0"/>
+                      </a:rPr>
+                      <m:t>|</m:t>
+                    </m:r>
+                    <m:r>
+                      <a:rPr lang="en-US" sz="3200" b="0" i="1" smtClean="0">
+                        <a:latin typeface="Cambria Math" panose="02040503050406030204" pitchFamily="18" charset="0"/>
+                      </a:rPr>
+                      <m:t>𝑑</m:t>
+                    </m:r>
+                    <m:r>
+                      <a:rPr lang="en-US" sz="3200" b="0" i="1" smtClean="0">
+                        <a:latin typeface="Cambria Math" panose="02040503050406030204" pitchFamily="18" charset="0"/>
+                      </a:rPr>
+                      <m:t>)</m:t>
+                    </m:r>
+                  </m:oMath>
+                </a14:m>
+                <a:endParaRPr lang="en-US" sz="3200" dirty="0"/>
+              </a:p>
+              <a:p>
+                <a:pPr lvl="2">
+                  <a:lnSpc>
+                    <a:spcPct val="150000"/>
+                  </a:lnSpc>
+                </a:pPr>
+                <a:r>
+                  <a:rPr lang="en-US" sz="3000" dirty="0"/>
+                  <a:t>Estimate the correct class having the maximum posterior probability given </a:t>
+                </a:r>
+                <a:r>
+                  <a:rPr lang="en-US" sz="3000" i="1" dirty="0"/>
+                  <a:t>d </a:t>
+                </a:r>
+                <a:r>
+                  <a:rPr lang="en-US" sz="3000" dirty="0"/>
+                  <a:t>(most likely class)</a:t>
+                </a:r>
+              </a:p>
+              <a:p>
+                <a:pPr lvl="1">
+                  <a:lnSpc>
+                    <a:spcPct val="150000"/>
+                  </a:lnSpc>
+                </a:pPr>
+                <a:r>
+                  <a:rPr lang="en-US" sz="3200" dirty="0"/>
+                  <a:t>Applying Bayes Rule</a:t>
+                </a:r>
+              </a:p>
+              <a:p>
+                <a:pPr lvl="2">
+                  <a:lnSpc>
+                    <a:spcPct val="150000"/>
+                  </a:lnSpc>
+                </a:pPr>
+                <a14:m>
+                  <m:oMath xmlns:m="http://schemas.openxmlformats.org/officeDocument/2006/math">
+                    <m:acc>
+                      <m:accPr>
+                        <m:chr m:val="̂"/>
+                        <m:ctrlPr>
+                          <a:rPr lang="en-US" sz="2600" i="1" smtClean="0">
+                            <a:latin typeface="Cambria Math" panose="02040503050406030204" pitchFamily="18" charset="0"/>
+                          </a:rPr>
+                        </m:ctrlPr>
+                      </m:accPr>
+                      <m:e>
+                        <m:r>
+                          <a:rPr lang="en-US" sz="2600" b="0" i="1" smtClean="0">
+                            <a:latin typeface="Cambria Math" panose="02040503050406030204" pitchFamily="18" charset="0"/>
+                          </a:rPr>
+                          <m:t>𝑐</m:t>
+                        </m:r>
+                      </m:e>
+                    </m:acc>
+                    <m:r>
+                      <a:rPr lang="en-US" sz="2600" b="0" i="1" smtClean="0">
+                        <a:latin typeface="Cambria Math" panose="02040503050406030204" pitchFamily="18" charset="0"/>
+                      </a:rPr>
+                      <m:t>=</m:t>
+                    </m:r>
+                    <m:sSub>
+                      <m:sSubPr>
+                        <m:ctrlPr>
+                          <a:rPr lang="en-US" sz="2600" b="0" i="1" smtClean="0">
+                            <a:latin typeface="Cambria Math" panose="02040503050406030204" pitchFamily="18" charset="0"/>
+                          </a:rPr>
+                        </m:ctrlPr>
+                      </m:sSubPr>
+                      <m:e>
+                        <m:r>
+                          <m:rPr>
+                            <m:sty m:val="p"/>
+                          </m:rPr>
+                          <a:rPr lang="en-US" sz="2600" b="0" i="0" smtClean="0">
+                            <a:latin typeface="Cambria Math" panose="02040503050406030204" pitchFamily="18" charset="0"/>
+                          </a:rPr>
+                          <m:t>argmax</m:t>
+                        </m:r>
+                      </m:e>
+                      <m:sub>
+                        <m:r>
+                          <a:rPr lang="en-US" sz="2600" b="0" i="1" smtClean="0">
+                            <a:latin typeface="Cambria Math" panose="02040503050406030204" pitchFamily="18" charset="0"/>
+                          </a:rPr>
+                          <m:t>𝑐</m:t>
+                        </m:r>
+                        <m:r>
+                          <a:rPr lang="en-US" sz="2600" b="0" i="1" smtClean="0">
+                            <a:latin typeface="Cambria Math" panose="02040503050406030204" pitchFamily="18" charset="0"/>
+                          </a:rPr>
+                          <m:t>∈</m:t>
+                        </m:r>
+                        <m:r>
+                          <a:rPr lang="en-US" sz="2600" b="0" i="1" smtClean="0">
+                            <a:latin typeface="Cambria Math" panose="02040503050406030204" pitchFamily="18" charset="0"/>
+                          </a:rPr>
+                          <m:t>𝐶</m:t>
+                        </m:r>
+                      </m:sub>
+                    </m:sSub>
+                    <m:r>
+                      <a:rPr lang="en-US" sz="2600" b="0" i="1" smtClean="0">
+                        <a:latin typeface="Cambria Math" panose="02040503050406030204" pitchFamily="18" charset="0"/>
+                      </a:rPr>
+                      <m:t>𝑃</m:t>
+                    </m:r>
+                    <m:d>
+                      <m:dPr>
+                        <m:ctrlPr>
+                          <a:rPr lang="en-US" sz="2600" b="0" i="1" smtClean="0">
+                            <a:latin typeface="Cambria Math" panose="02040503050406030204" pitchFamily="18" charset="0"/>
+                          </a:rPr>
+                        </m:ctrlPr>
+                      </m:dPr>
+                      <m:e>
+                        <m:r>
+                          <a:rPr lang="en-US" sz="2600" b="0" i="1" smtClean="0">
+                            <a:latin typeface="Cambria Math" panose="02040503050406030204" pitchFamily="18" charset="0"/>
+                          </a:rPr>
+                          <m:t>𝑑</m:t>
+                        </m:r>
+                      </m:e>
+                      <m:e>
+                        <m:r>
+                          <a:rPr lang="en-US" sz="2600" b="0" i="1" smtClean="0">
+                            <a:latin typeface="Cambria Math" panose="02040503050406030204" pitchFamily="18" charset="0"/>
+                          </a:rPr>
+                          <m:t>𝑐</m:t>
+                        </m:r>
+                      </m:e>
+                    </m:d>
+                    <m:r>
+                      <a:rPr lang="en-US" sz="2600" b="0" i="1" smtClean="0">
+                        <a:latin typeface="Cambria Math" panose="02040503050406030204" pitchFamily="18" charset="0"/>
+                      </a:rPr>
+                      <m:t>𝑃</m:t>
+                    </m:r>
+                    <m:r>
+                      <a:rPr lang="en-US" sz="2600" b="0" i="1" smtClean="0">
+                        <a:latin typeface="Cambria Math" panose="02040503050406030204" pitchFamily="18" charset="0"/>
+                      </a:rPr>
+                      <m:t>(</m:t>
+                    </m:r>
+                    <m:r>
+                      <a:rPr lang="en-US" sz="2600" b="0" i="1" smtClean="0">
+                        <a:latin typeface="Cambria Math" panose="02040503050406030204" pitchFamily="18" charset="0"/>
+                      </a:rPr>
+                      <m:t>𝑐</m:t>
+                    </m:r>
+                    <m:r>
+                      <a:rPr lang="en-US" sz="2600" b="0" i="1" smtClean="0">
+                        <a:latin typeface="Cambria Math" panose="02040503050406030204" pitchFamily="18" charset="0"/>
+                      </a:rPr>
+                      <m:t>)</m:t>
+                    </m:r>
+                  </m:oMath>
+                </a14:m>
+                <a:endParaRPr lang="en-US" sz="2600" dirty="0"/>
+              </a:p>
+              <a:p>
+                <a:pPr lvl="2">
+                  <a:lnSpc>
+                    <a:spcPct val="150000"/>
+                  </a:lnSpc>
+                </a:pPr>
+                <a14:m>
+                  <m:oMath xmlns:m="http://schemas.openxmlformats.org/officeDocument/2006/math">
+                    <m:acc>
+                      <m:accPr>
+                        <m:chr m:val="̂"/>
+                        <m:ctrlPr>
+                          <a:rPr lang="en-US" sz="2600" i="1" smtClean="0">
+                            <a:latin typeface="Cambria Math" panose="02040503050406030204" pitchFamily="18" charset="0"/>
+                          </a:rPr>
+                        </m:ctrlPr>
+                      </m:accPr>
+                      <m:e>
+                        <m:r>
+                          <a:rPr lang="en-US" sz="2600" b="0" i="1" smtClean="0">
+                            <a:latin typeface="Cambria Math" panose="02040503050406030204" pitchFamily="18" charset="0"/>
+                          </a:rPr>
+                          <m:t>𝑐</m:t>
+                        </m:r>
+                      </m:e>
+                    </m:acc>
+                    <m:r>
+                      <a:rPr lang="en-US" sz="2600" b="0" i="1" smtClean="0">
+                        <a:latin typeface="Cambria Math" panose="02040503050406030204" pitchFamily="18" charset="0"/>
+                      </a:rPr>
+                      <m:t>=</m:t>
+                    </m:r>
+                    <m:sSub>
+                      <m:sSubPr>
+                        <m:ctrlPr>
+                          <a:rPr lang="en-US" sz="2600" b="0" i="1" smtClean="0">
+                            <a:latin typeface="Cambria Math" panose="02040503050406030204" pitchFamily="18" charset="0"/>
+                          </a:rPr>
+                        </m:ctrlPr>
+                      </m:sSubPr>
+                      <m:e>
+                        <m:r>
+                          <m:rPr>
+                            <m:sty m:val="p"/>
+                          </m:rPr>
+                          <a:rPr lang="en-US" sz="2600" b="0" i="0" smtClean="0">
+                            <a:latin typeface="Cambria Math" panose="02040503050406030204" pitchFamily="18" charset="0"/>
+                          </a:rPr>
+                          <m:t>argmax</m:t>
+                        </m:r>
+                      </m:e>
+                      <m:sub>
+                        <m:r>
+                          <a:rPr lang="en-US" sz="2600" b="0" i="1" smtClean="0">
+                            <a:latin typeface="Cambria Math" panose="02040503050406030204" pitchFamily="18" charset="0"/>
+                          </a:rPr>
+                          <m:t>𝑐</m:t>
+                        </m:r>
+                        <m:r>
+                          <a:rPr lang="en-US" sz="2600" b="0" i="1" smtClean="0">
+                            <a:latin typeface="Cambria Math" panose="02040503050406030204" pitchFamily="18" charset="0"/>
+                          </a:rPr>
+                          <m:t>∈</m:t>
+                        </m:r>
+                        <m:r>
+                          <a:rPr lang="en-US" sz="2600" b="0" i="1" smtClean="0">
+                            <a:latin typeface="Cambria Math" panose="02040503050406030204" pitchFamily="18" charset="0"/>
+                          </a:rPr>
+                          <m:t>𝐶</m:t>
+                        </m:r>
+                      </m:sub>
+                    </m:sSub>
+                    <m:r>
+                      <a:rPr lang="en-US" sz="2600" b="0" i="1" smtClean="0">
+                        <a:latin typeface="Cambria Math" panose="02040503050406030204" pitchFamily="18" charset="0"/>
+                      </a:rPr>
+                      <m:t>𝑃</m:t>
+                    </m:r>
+                    <m:d>
+                      <m:dPr>
+                        <m:ctrlPr>
+                          <a:rPr lang="en-US" sz="2600" b="0" i="1" smtClean="0">
+                            <a:latin typeface="Cambria Math" panose="02040503050406030204" pitchFamily="18" charset="0"/>
+                          </a:rPr>
+                        </m:ctrlPr>
+                      </m:dPr>
+                      <m:e>
+                        <m:sSub>
+                          <m:sSubPr>
+                            <m:ctrlPr>
+                              <a:rPr lang="en-US" sz="2600" b="0" i="1" smtClean="0">
+                                <a:latin typeface="Cambria Math" panose="02040503050406030204" pitchFamily="18" charset="0"/>
+                              </a:rPr>
+                            </m:ctrlPr>
+                          </m:sSubPr>
+                          <m:e>
+                            <m:r>
+                              <a:rPr lang="en-US" sz="2600" b="0" i="1" smtClean="0">
+                                <a:latin typeface="Cambria Math" panose="02040503050406030204" pitchFamily="18" charset="0"/>
+                              </a:rPr>
+                              <m:t>𝑥</m:t>
+                            </m:r>
+                          </m:e>
+                          <m:sub>
+                            <m:r>
+                              <a:rPr lang="en-US" sz="2600" b="0" i="1" smtClean="0">
+                                <a:latin typeface="Cambria Math" panose="02040503050406030204" pitchFamily="18" charset="0"/>
+                              </a:rPr>
+                              <m:t>1</m:t>
+                            </m:r>
+                          </m:sub>
+                        </m:sSub>
+                        <m:r>
+                          <a:rPr lang="en-US" sz="2600" b="0" i="1" smtClean="0">
+                            <a:latin typeface="Cambria Math" panose="02040503050406030204" pitchFamily="18" charset="0"/>
+                          </a:rPr>
+                          <m:t>,…,</m:t>
+                        </m:r>
+                        <m:sSub>
+                          <m:sSubPr>
+                            <m:ctrlPr>
+                              <a:rPr lang="en-US" sz="2600" b="0" i="1" smtClean="0">
+                                <a:latin typeface="Cambria Math" panose="02040503050406030204" pitchFamily="18" charset="0"/>
+                              </a:rPr>
+                            </m:ctrlPr>
+                          </m:sSubPr>
+                          <m:e>
+                            <m:r>
+                              <a:rPr lang="en-US" sz="2600" b="0" i="1" smtClean="0">
+                                <a:latin typeface="Cambria Math" panose="02040503050406030204" pitchFamily="18" charset="0"/>
+                              </a:rPr>
+                              <m:t>𝑥</m:t>
+                            </m:r>
+                          </m:e>
+                          <m:sub>
+                            <m:r>
+                              <a:rPr lang="en-US" sz="2600" b="0" i="1" smtClean="0">
+                                <a:latin typeface="Cambria Math" panose="02040503050406030204" pitchFamily="18" charset="0"/>
+                              </a:rPr>
+                              <m:t>𝑛</m:t>
+                            </m:r>
+                          </m:sub>
+                        </m:sSub>
+                      </m:e>
+                      <m:e>
+                        <m:r>
+                          <a:rPr lang="en-US" sz="2600" b="0" i="1" smtClean="0">
+                            <a:latin typeface="Cambria Math" panose="02040503050406030204" pitchFamily="18" charset="0"/>
+                          </a:rPr>
+                          <m:t>𝑐</m:t>
+                        </m:r>
+                      </m:e>
+                    </m:d>
+                    <m:r>
+                      <a:rPr lang="en-US" sz="2600" b="0" i="1" smtClean="0">
+                        <a:latin typeface="Cambria Math" panose="02040503050406030204" pitchFamily="18" charset="0"/>
+                      </a:rPr>
+                      <m:t>𝑃</m:t>
+                    </m:r>
+                    <m:r>
+                      <a:rPr lang="en-US" sz="2600" b="0" i="1" smtClean="0">
+                        <a:latin typeface="Cambria Math" panose="02040503050406030204" pitchFamily="18" charset="0"/>
+                      </a:rPr>
+                      <m:t>(</m:t>
+                    </m:r>
+                    <m:r>
+                      <a:rPr lang="en-US" sz="2600" b="0" i="1" smtClean="0">
+                        <a:latin typeface="Cambria Math" panose="02040503050406030204" pitchFamily="18" charset="0"/>
+                      </a:rPr>
+                      <m:t>𝑐</m:t>
+                    </m:r>
+                    <m:r>
+                      <a:rPr lang="en-US" sz="2600" b="0" i="1" smtClean="0">
+                        <a:latin typeface="Cambria Math" panose="02040503050406030204" pitchFamily="18" charset="0"/>
+                      </a:rPr>
+                      <m:t>)</m:t>
+                    </m:r>
+                  </m:oMath>
+                </a14:m>
+                <a:endParaRPr lang="en-US" sz="2600" dirty="0"/>
+              </a:p>
+              <a:p>
+                <a:pPr lvl="3">
+                  <a:lnSpc>
+                    <a:spcPct val="150000"/>
+                  </a:lnSpc>
+                </a:pPr>
+                <a:r>
+                  <a:rPr lang="en-US" sz="2600" dirty="0"/>
+                  <a:t>Hard to compute: </a:t>
+                </a:r>
+                <a14:m>
+                  <m:oMath xmlns:m="http://schemas.openxmlformats.org/officeDocument/2006/math">
+                    <m:r>
+                      <a:rPr lang="en-US" sz="2600" b="0" i="1" smtClean="0">
+                        <a:latin typeface="Cambria Math" panose="02040503050406030204" pitchFamily="18" charset="0"/>
+                      </a:rPr>
+                      <m:t>𝑂</m:t>
+                    </m:r>
+                    <m:r>
+                      <a:rPr lang="en-US" sz="2600" b="0" i="1" smtClean="0">
+                        <a:latin typeface="Cambria Math" panose="02040503050406030204" pitchFamily="18" charset="0"/>
+                      </a:rPr>
+                      <m:t>(</m:t>
+                    </m:r>
+                    <m:sSup>
+                      <m:sSupPr>
+                        <m:ctrlPr>
+                          <a:rPr lang="en-US" sz="2600" b="0" i="1" smtClean="0">
+                            <a:latin typeface="Cambria Math" panose="02040503050406030204" pitchFamily="18" charset="0"/>
+                          </a:rPr>
+                        </m:ctrlPr>
+                      </m:sSupPr>
+                      <m:e>
+                        <m:d>
+                          <m:dPr>
+                            <m:begChr m:val="|"/>
+                            <m:endChr m:val="|"/>
+                            <m:ctrlPr>
+                              <a:rPr lang="en-US" sz="2600" b="0" i="1" smtClean="0">
+                                <a:latin typeface="Cambria Math" panose="02040503050406030204" pitchFamily="18" charset="0"/>
+                              </a:rPr>
+                            </m:ctrlPr>
+                          </m:dPr>
+                          <m:e>
+                            <m:r>
+                              <a:rPr lang="en-US" sz="2600" b="0" i="1" smtClean="0">
+                                <a:latin typeface="Cambria Math" panose="02040503050406030204" pitchFamily="18" charset="0"/>
+                              </a:rPr>
+                              <m:t>𝑋</m:t>
+                            </m:r>
+                          </m:e>
+                        </m:d>
+                      </m:e>
+                      <m:sup>
+                        <m:r>
+                          <a:rPr lang="en-US" sz="2600" b="0" i="1" smtClean="0">
+                            <a:latin typeface="Cambria Math" panose="02040503050406030204" pitchFamily="18" charset="0"/>
+                          </a:rPr>
+                          <m:t>𝑛</m:t>
+                        </m:r>
+                      </m:sup>
+                    </m:sSup>
+                    <m:r>
+                      <a:rPr lang="en-US" sz="2600" b="0" i="1" smtClean="0">
+                        <a:latin typeface="Cambria Math" panose="02040503050406030204" pitchFamily="18" charset="0"/>
+                      </a:rPr>
+                      <m:t>⋅</m:t>
+                    </m:r>
+                    <m:d>
+                      <m:dPr>
+                        <m:begChr m:val="|"/>
+                        <m:endChr m:val="|"/>
+                        <m:ctrlPr>
+                          <a:rPr lang="en-US" sz="2600" b="0" i="1" smtClean="0">
+                            <a:latin typeface="Cambria Math" panose="02040503050406030204" pitchFamily="18" charset="0"/>
+                          </a:rPr>
+                        </m:ctrlPr>
+                      </m:dPr>
+                      <m:e>
+                        <m:r>
+                          <a:rPr lang="en-US" sz="2600" b="0" i="1" smtClean="0">
+                            <a:latin typeface="Cambria Math" panose="02040503050406030204" pitchFamily="18" charset="0"/>
+                          </a:rPr>
+                          <m:t>𝐶</m:t>
+                        </m:r>
+                      </m:e>
+                    </m:d>
+                    <m:r>
+                      <a:rPr lang="en-US" sz="2600" b="0" i="1" smtClean="0">
+                        <a:latin typeface="Cambria Math" panose="02040503050406030204" pitchFamily="18" charset="0"/>
+                      </a:rPr>
+                      <m:t>)</m:t>
+                    </m:r>
+                  </m:oMath>
+                </a14:m>
+                <a:r>
+                  <a:rPr lang="en-US" sz="2600" dirty="0"/>
+                  <a:t> parameters</a:t>
+                </a:r>
+              </a:p>
+              <a:p>
+                <a:pPr marL="548640" lvl="2" indent="0">
+                  <a:lnSpc>
+                    <a:spcPct val="150000"/>
+                  </a:lnSpc>
+                  <a:buNone/>
+                </a:pPr>
+                <a:endParaRPr lang="en-US" sz="3000" dirty="0"/>
+              </a:p>
+            </p:txBody>
+          </p:sp>
+        </mc:Choice>
+        <mc:Fallback xmlns="">
+          <p:sp>
+            <p:nvSpPr>
+              <p:cNvPr id="3" name="Content Placeholder 2">
+                <a:extLst>
+                  <a:ext uri="{FF2B5EF4-FFF2-40B4-BE49-F238E27FC236}">
+                    <a16:creationId xmlns:a16="http://schemas.microsoft.com/office/drawing/2014/main" id="{875C8943-9FB9-9CD2-E02E-DAA67F1AF5CC}"/>
+                  </a:ext>
+                </a:extLst>
+              </p:cNvPr>
+              <p:cNvSpPr>
+                <a:spLocks noGrp="1" noRot="1" noChangeAspect="1" noMove="1" noResize="1" noEditPoints="1" noAdjustHandles="1" noChangeArrowheads="1" noChangeShapeType="1" noTextEdit="1"/>
+              </p:cNvSpPr>
+              <p:nvPr>
+                <p:ph idx="1"/>
+              </p:nvPr>
+            </p:nvSpPr>
+            <p:spPr>
+              <a:xfrm>
+                <a:off x="1069848" y="725214"/>
+                <a:ext cx="10058400" cy="5446986"/>
+              </a:xfrm>
+              <a:blipFill>
+                <a:blip r:embed="rId2"/>
+                <a:stretch>
+                  <a:fillRect/>
+                </a:stretch>
+              </a:blipFill>
+            </p:spPr>
+            <p:txBody>
+              <a:bodyPr/>
+              <a:lstStyle/>
+              <a:p>
+                <a:r>
+                  <a:rPr lang="en-US">
+                    <a:noFill/>
+                  </a:rPr>
+                  <a:t> </a:t>
+                </a:r>
+              </a:p>
+            </p:txBody>
+          </p:sp>
+        </mc:Fallback>
+      </mc:AlternateContent>
+    </p:spTree>
+    <p:extLst>
+      <p:ext uri="{BB962C8B-B14F-4D97-AF65-F5344CB8AC3E}">
+        <p14:creationId xmlns:p14="http://schemas.microsoft.com/office/powerpoint/2010/main" val="831828903"/>
+      </p:ext>
+    </p:extLst>
+  </p:cSld>
+  <p:clrMapOvr>
+    <a:masterClrMapping/>
+  </p:clrMapOvr>
+</p:sld>
+</file>
+
+<file path=ppt/slides/slide12.xml><?xml version="1.0" encoding="utf-8"?>
+<p:sld xmlns:a="http://schemas.openxmlformats.org/drawingml/2006/main" xmlns:r="http://schemas.openxmlformats.org/officeDocument/2006/relationships" xmlns:p="http://schemas.openxmlformats.org/presentationml/2006/main">
+  <p:cSld>
+    <p:spTree>
+      <p:nvGrpSpPr>
+        <p:cNvPr id="1" name=""/>
+        <p:cNvGrpSpPr/>
+        <p:nvPr/>
+      </p:nvGrpSpPr>
+      <p:grpSpPr>
+        <a:xfrm>
+          <a:off x="0" y="0"/>
+          <a:ext cx="0" cy="0"/>
+          <a:chOff x="0" y="0"/>
+          <a:chExt cx="0" cy="0"/>
+        </a:xfrm>
+      </p:grpSpPr>
+      <p:sp>
+        <p:nvSpPr>
           <p:cNvPr id="3" name="Content Placeholder 2">
             <a:extLst>
               <a:ext uri="{FF2B5EF4-FFF2-40B4-BE49-F238E27FC236}">
@@ -5104,7 +6061,7 @@
 </p:sld>
 </file>
 
-<file path=ppt/slides/slide11.xml><?xml version="1.0" encoding="utf-8"?>
+<file path=ppt/slides/slide13.xml><?xml version="1.0" encoding="utf-8"?>
 <p:sld xmlns:a="http://schemas.openxmlformats.org/drawingml/2006/main" xmlns:r="http://schemas.openxmlformats.org/officeDocument/2006/relationships" xmlns:p="http://schemas.openxmlformats.org/presentationml/2006/main">
   <p:cSld>
     <p:spTree>
@@ -6163,7 +7120,7 @@
 </p:sld>
 </file>
 
-<file path=ppt/slides/slide12.xml><?xml version="1.0" encoding="utf-8"?>
+<file path=ppt/slides/slide14.xml><?xml version="1.0" encoding="utf-8"?>
 <p:sld xmlns:a="http://schemas.openxmlformats.org/drawingml/2006/main" xmlns:r="http://schemas.openxmlformats.org/officeDocument/2006/relationships" xmlns:p="http://schemas.openxmlformats.org/presentationml/2006/main">
   <p:cSld>
     <p:spTree>
@@ -6617,7 +7574,7 @@
 </p:sld>
 </file>
 
-<file path=ppt/slides/slide13.xml><?xml version="1.0" encoding="utf-8"?>
+<file path=ppt/slides/slide15.xml><?xml version="1.0" encoding="utf-8"?>
 <p:sld xmlns:a="http://schemas.openxmlformats.org/drawingml/2006/main" xmlns:r="http://schemas.openxmlformats.org/officeDocument/2006/relationships" xmlns:p="http://schemas.openxmlformats.org/presentationml/2006/main">
   <p:cSld>
     <p:spTree>
@@ -7364,7 +8321,7 @@
 </p:sld>
 </file>
 
-<file path=ppt/slides/slide14.xml><?xml version="1.0" encoding="utf-8"?>
+<file path=ppt/slides/slide16.xml><?xml version="1.0" encoding="utf-8"?>
 <p:sld xmlns:a="http://schemas.openxmlformats.org/drawingml/2006/main" xmlns:r="http://schemas.openxmlformats.org/officeDocument/2006/relationships" xmlns:p="http://schemas.openxmlformats.org/presentationml/2006/main">
   <p:cSld>
     <p:spTree>
@@ -7598,7 +8555,7 @@
 </p:sld>
 </file>
 
-<file path=ppt/slides/slide15.xml><?xml version="1.0" encoding="utf-8"?>
+<file path=ppt/slides/slide17.xml><?xml version="1.0" encoding="utf-8"?>
 <p:sld xmlns:a="http://schemas.openxmlformats.org/drawingml/2006/main" xmlns:r="http://schemas.openxmlformats.org/officeDocument/2006/relationships" xmlns:p="http://schemas.openxmlformats.org/presentationml/2006/main">
   <p:cSld>
     <p:spTree>
@@ -8725,7 +9682,7 @@
 </p:sld>
 </file>
 
-<file path=ppt/slides/slide16.xml><?xml version="1.0" encoding="utf-8"?>
+<file path=ppt/slides/slide18.xml><?xml version="1.0" encoding="utf-8"?>
 <p:sld xmlns:a="http://schemas.openxmlformats.org/drawingml/2006/main" xmlns:r="http://schemas.openxmlformats.org/officeDocument/2006/relationships" xmlns:p="http://schemas.openxmlformats.org/presentationml/2006/main">
   <p:cSld>
     <p:spTree>
@@ -8853,7 +9810,7 @@
 </p:sld>
 </file>
 
-<file path=ppt/slides/slide17.xml><?xml version="1.0" encoding="utf-8"?>
+<file path=ppt/slides/slide19.xml><?xml version="1.0" encoding="utf-8"?>
 <p:sld xmlns:a="http://schemas.openxmlformats.org/drawingml/2006/main" xmlns:r="http://schemas.openxmlformats.org/officeDocument/2006/relationships" xmlns:p="http://schemas.openxmlformats.org/presentationml/2006/main">
   <p:cSld>
     <p:spTree>
@@ -9020,7 +9977,372 @@
 </p:sld>
 </file>
 
-<file path=ppt/slides/slide18.xml><?xml version="1.0" encoding="utf-8"?>
+<file path=ppt/slides/slide2.xml><?xml version="1.0" encoding="utf-8"?>
+<p:sld xmlns:a="http://schemas.openxmlformats.org/drawingml/2006/main" xmlns:r="http://schemas.openxmlformats.org/officeDocument/2006/relationships" xmlns:p="http://schemas.openxmlformats.org/presentationml/2006/main">
+  <p:cSld>
+    <p:spTree>
+      <p:nvGrpSpPr>
+        <p:cNvPr id="1" name=""/>
+        <p:cNvGrpSpPr/>
+        <p:nvPr/>
+      </p:nvGrpSpPr>
+      <p:grpSpPr>
+        <a:xfrm>
+          <a:off x="0" y="0"/>
+          <a:ext cx="0" cy="0"/>
+          <a:chOff x="0" y="0"/>
+          <a:chExt cx="0" cy="0"/>
+        </a:xfrm>
+      </p:grpSpPr>
+      <p:sp>
+        <p:nvSpPr>
+          <p:cNvPr id="2" name="Title 1">
+            <a:extLst>
+              <a:ext uri="{FF2B5EF4-FFF2-40B4-BE49-F238E27FC236}">
+                <a16:creationId xmlns:a16="http://schemas.microsoft.com/office/drawing/2014/main" id="{0E62C21A-EE0E-8BD8-BC36-3ADE9CC44837}"/>
+              </a:ext>
+            </a:extLst>
+          </p:cNvPr>
+          <p:cNvSpPr>
+            <a:spLocks noGrp="1"/>
+          </p:cNvSpPr>
+          <p:nvPr>
+            <p:ph type="title"/>
+          </p:nvPr>
+        </p:nvSpPr>
+        <p:spPr/>
+        <p:txBody>
+          <a:bodyPr/>
+          <a:lstStyle/>
+          <a:p>
+            <a:r>
+              <a:rPr lang="en-US" dirty="0"/>
+              <a:t>What is a spam?</a:t>
+            </a:r>
+          </a:p>
+        </p:txBody>
+      </p:sp>
+      <p:sp>
+        <p:nvSpPr>
+          <p:cNvPr id="3" name="Content Placeholder 2">
+            <a:extLst>
+              <a:ext uri="{FF2B5EF4-FFF2-40B4-BE49-F238E27FC236}">
+                <a16:creationId xmlns:a16="http://schemas.microsoft.com/office/drawing/2014/main" id="{F5F9A82A-0A78-9D9D-563A-E2A024368E8A}"/>
+              </a:ext>
+            </a:extLst>
+          </p:cNvPr>
+          <p:cNvSpPr>
+            <a:spLocks noGrp="1"/>
+          </p:cNvSpPr>
+          <p:nvPr>
+            <p:ph idx="1"/>
+          </p:nvPr>
+        </p:nvSpPr>
+        <p:spPr/>
+        <p:txBody>
+          <a:bodyPr>
+            <a:normAutofit/>
+          </a:bodyPr>
+          <a:lstStyle/>
+          <a:p>
+            <a:pPr>
+              <a:lnSpc>
+                <a:spcPct val="250000"/>
+              </a:lnSpc>
+            </a:pPr>
+            <a:r>
+              <a:rPr lang="en-US" sz="2400" dirty="0"/>
+              <a:t>Consider how do you identify a spam email</a:t>
+            </a:r>
+          </a:p>
+          <a:p>
+            <a:pPr lvl="1">
+              <a:lnSpc>
+                <a:spcPct val="250000"/>
+              </a:lnSpc>
+            </a:pPr>
+            <a:r>
+              <a:rPr lang="en-US" sz="2200" dirty="0"/>
+              <a:t>What’s your rule?</a:t>
+            </a:r>
+          </a:p>
+          <a:p>
+            <a:pPr>
+              <a:lnSpc>
+                <a:spcPct val="250000"/>
+              </a:lnSpc>
+            </a:pPr>
+            <a:r>
+              <a:rPr lang="en-US" sz="2400" dirty="0"/>
+              <a:t>…</a:t>
+            </a:r>
+            <a:r>
+              <a:rPr lang="en-US" sz="2400" i="1" dirty="0"/>
+              <a:t>we have a strong spam filtering system…</a:t>
+            </a:r>
+          </a:p>
+          <a:p>
+            <a:pPr lvl="1">
+              <a:lnSpc>
+                <a:spcPct val="250000"/>
+              </a:lnSpc>
+            </a:pPr>
+            <a:r>
+              <a:rPr lang="en-US" sz="2200" dirty="0"/>
+              <a:t>What does it mean?</a:t>
+            </a:r>
+          </a:p>
+          <a:p>
+            <a:pPr marL="274320" lvl="1" indent="0">
+              <a:lnSpc>
+                <a:spcPct val="250000"/>
+              </a:lnSpc>
+              <a:buNone/>
+            </a:pPr>
+            <a:endParaRPr lang="en-US" sz="2200" dirty="0"/>
+          </a:p>
+        </p:txBody>
+      </p:sp>
+    </p:spTree>
+    <p:extLst>
+      <p:ext uri="{BB962C8B-B14F-4D97-AF65-F5344CB8AC3E}">
+        <p14:creationId xmlns:p14="http://schemas.microsoft.com/office/powerpoint/2010/main" val="2480762340"/>
+      </p:ext>
+    </p:extLst>
+  </p:cSld>
+  <p:clrMapOvr>
+    <a:masterClrMapping/>
+  </p:clrMapOvr>
+  <p:timing>
+    <p:tnLst>
+      <p:par>
+        <p:cTn id="1" dur="indefinite" restart="never" nodeType="tmRoot">
+          <p:childTnLst>
+            <p:seq concurrent="1" nextAc="seek">
+              <p:cTn id="2" dur="indefinite" nodeType="mainSeq">
+                <p:childTnLst>
+                  <p:par>
+                    <p:cTn id="3" fill="hold">
+                      <p:stCondLst>
+                        <p:cond delay="indefinite"/>
+                      </p:stCondLst>
+                      <p:childTnLst>
+                        <p:par>
+                          <p:cTn id="4" fill="hold">
+                            <p:stCondLst>
+                              <p:cond delay="0"/>
+                            </p:stCondLst>
+                            <p:childTnLst>
+                              <p:par>
+                                <p:cTn id="5" presetID="1" presetClass="entr" presetSubtype="0" fill="hold" nodeType="clickEffect">
+                                  <p:stCondLst>
+                                    <p:cond delay="0"/>
+                                  </p:stCondLst>
+                                  <p:childTnLst>
+                                    <p:set>
+                                      <p:cBhvr>
+                                        <p:cTn id="6" dur="1" fill="hold">
+                                          <p:stCondLst>
+                                            <p:cond delay="0"/>
+                                          </p:stCondLst>
+                                        </p:cTn>
+                                        <p:tgtEl>
+                                          <p:spTgt spid="3">
+                                            <p:txEl>
+                                              <p:pRg st="0" end="0"/>
+                                            </p:txEl>
+                                          </p:spTgt>
+                                        </p:tgtEl>
+                                        <p:attrNameLst>
+                                          <p:attrName>style.visibility</p:attrName>
+                                        </p:attrNameLst>
+                                      </p:cBhvr>
+                                      <p:to>
+                                        <p:strVal val="visible"/>
+                                      </p:to>
+                                    </p:set>
+                                  </p:childTnLst>
+                                </p:cTn>
+                              </p:par>
+                            </p:childTnLst>
+                          </p:cTn>
+                        </p:par>
+                      </p:childTnLst>
+                    </p:cTn>
+                  </p:par>
+                  <p:par>
+                    <p:cTn id="7" fill="hold">
+                      <p:stCondLst>
+                        <p:cond delay="indefinite"/>
+                      </p:stCondLst>
+                      <p:childTnLst>
+                        <p:par>
+                          <p:cTn id="8" fill="hold">
+                            <p:stCondLst>
+                              <p:cond delay="0"/>
+                            </p:stCondLst>
+                            <p:childTnLst>
+                              <p:par>
+                                <p:cTn id="9" presetID="1" presetClass="entr" presetSubtype="0" fill="hold" nodeType="clickEffect">
+                                  <p:stCondLst>
+                                    <p:cond delay="0"/>
+                                  </p:stCondLst>
+                                  <p:childTnLst>
+                                    <p:set>
+                                      <p:cBhvr>
+                                        <p:cTn id="10" dur="1" fill="hold">
+                                          <p:stCondLst>
+                                            <p:cond delay="0"/>
+                                          </p:stCondLst>
+                                        </p:cTn>
+                                        <p:tgtEl>
+                                          <p:spTgt spid="3">
+                                            <p:txEl>
+                                              <p:pRg st="1" end="1"/>
+                                            </p:txEl>
+                                          </p:spTgt>
+                                        </p:tgtEl>
+                                        <p:attrNameLst>
+                                          <p:attrName>style.visibility</p:attrName>
+                                        </p:attrNameLst>
+                                      </p:cBhvr>
+                                      <p:to>
+                                        <p:strVal val="visible"/>
+                                      </p:to>
+                                    </p:set>
+                                  </p:childTnLst>
+                                </p:cTn>
+                              </p:par>
+                            </p:childTnLst>
+                          </p:cTn>
+                        </p:par>
+                      </p:childTnLst>
+                    </p:cTn>
+                  </p:par>
+                  <p:par>
+                    <p:cTn id="11" fill="hold">
+                      <p:stCondLst>
+                        <p:cond delay="indefinite"/>
+                      </p:stCondLst>
+                      <p:childTnLst>
+                        <p:par>
+                          <p:cTn id="12" fill="hold">
+                            <p:stCondLst>
+                              <p:cond delay="0"/>
+                            </p:stCondLst>
+                            <p:childTnLst>
+                              <p:par>
+                                <p:cTn id="13" presetID="1" presetClass="entr" presetSubtype="0" fill="hold" nodeType="clickEffect">
+                                  <p:stCondLst>
+                                    <p:cond delay="0"/>
+                                  </p:stCondLst>
+                                  <p:childTnLst>
+                                    <p:set>
+                                      <p:cBhvr>
+                                        <p:cTn id="14" dur="1" fill="hold">
+                                          <p:stCondLst>
+                                            <p:cond delay="0"/>
+                                          </p:stCondLst>
+                                        </p:cTn>
+                                        <p:tgtEl>
+                                          <p:spTgt spid="3">
+                                            <p:txEl>
+                                              <p:pRg st="2" end="2"/>
+                                            </p:txEl>
+                                          </p:spTgt>
+                                        </p:tgtEl>
+                                        <p:attrNameLst>
+                                          <p:attrName>style.visibility</p:attrName>
+                                        </p:attrNameLst>
+                                      </p:cBhvr>
+                                      <p:to>
+                                        <p:strVal val="visible"/>
+                                      </p:to>
+                                    </p:set>
+                                  </p:childTnLst>
+                                </p:cTn>
+                              </p:par>
+                            </p:childTnLst>
+                          </p:cTn>
+                        </p:par>
+                      </p:childTnLst>
+                    </p:cTn>
+                  </p:par>
+                  <p:par>
+                    <p:cTn id="15" fill="hold">
+                      <p:stCondLst>
+                        <p:cond delay="indefinite"/>
+                      </p:stCondLst>
+                      <p:childTnLst>
+                        <p:par>
+                          <p:cTn id="16" fill="hold">
+                            <p:stCondLst>
+                              <p:cond delay="0"/>
+                            </p:stCondLst>
+                            <p:childTnLst>
+                              <p:par>
+                                <p:cTn id="17" presetID="1" presetClass="entr" presetSubtype="0" fill="hold" nodeType="clickEffect">
+                                  <p:stCondLst>
+                                    <p:cond delay="0"/>
+                                  </p:stCondLst>
+                                  <p:childTnLst>
+                                    <p:set>
+                                      <p:cBhvr>
+                                        <p:cTn id="18" dur="1" fill="hold">
+                                          <p:stCondLst>
+                                            <p:cond delay="0"/>
+                                          </p:stCondLst>
+                                        </p:cTn>
+                                        <p:tgtEl>
+                                          <p:spTgt spid="3">
+                                            <p:txEl>
+                                              <p:pRg st="3" end="3"/>
+                                            </p:txEl>
+                                          </p:spTgt>
+                                        </p:tgtEl>
+                                        <p:attrNameLst>
+                                          <p:attrName>style.visibility</p:attrName>
+                                        </p:attrNameLst>
+                                      </p:cBhvr>
+                                      <p:to>
+                                        <p:strVal val="visible"/>
+                                      </p:to>
+                                    </p:set>
+                                  </p:childTnLst>
+                                </p:cTn>
+                              </p:par>
+                            </p:childTnLst>
+                          </p:cTn>
+                        </p:par>
+                      </p:childTnLst>
+                    </p:cTn>
+                  </p:par>
+                </p:childTnLst>
+              </p:cTn>
+              <p:prevCondLst>
+                <p:cond evt="onPrev" delay="0">
+                  <p:tgtEl>
+                    <p:sldTgt/>
+                  </p:tgtEl>
+                </p:cond>
+              </p:prevCondLst>
+              <p:nextCondLst>
+                <p:cond evt="onNext" delay="0">
+                  <p:tgtEl>
+                    <p:sldTgt/>
+                  </p:tgtEl>
+                </p:cond>
+              </p:nextCondLst>
+            </p:seq>
+          </p:childTnLst>
+        </p:cTn>
+      </p:par>
+    </p:tnLst>
+  </p:timing>
+</p:sld>
+</file>
+
+<file path=ppt/slides/slide20.xml><?xml version="1.0" encoding="utf-8"?>
 <p:sld xmlns:a="http://schemas.openxmlformats.org/drawingml/2006/main" xmlns:r="http://schemas.openxmlformats.org/officeDocument/2006/relationships" xmlns:p="http://schemas.openxmlformats.org/presentationml/2006/main">
   <p:cSld>
     <p:spTree>
@@ -9384,7 +10706,7 @@
 </p:sld>
 </file>
 
-<file path=ppt/slides/slide19.xml><?xml version="1.0" encoding="utf-8"?>
+<file path=ppt/slides/slide21.xml><?xml version="1.0" encoding="utf-8"?>
 <p:sld xmlns:a="http://schemas.openxmlformats.org/drawingml/2006/main" xmlns:r="http://schemas.openxmlformats.org/officeDocument/2006/relationships" xmlns:p="http://schemas.openxmlformats.org/presentationml/2006/main">
   <p:cSld>
     <p:spTree>
@@ -10440,146 +11762,7 @@
 </p:sld>
 </file>
 
-<file path=ppt/slides/slide2.xml><?xml version="1.0" encoding="utf-8"?>
-<p:sld xmlns:a="http://schemas.openxmlformats.org/drawingml/2006/main" xmlns:r="http://schemas.openxmlformats.org/officeDocument/2006/relationships" xmlns:p="http://schemas.openxmlformats.org/presentationml/2006/main">
-  <p:cSld>
-    <p:spTree>
-      <p:nvGrpSpPr>
-        <p:cNvPr id="1" name=""/>
-        <p:cNvGrpSpPr/>
-        <p:nvPr/>
-      </p:nvGrpSpPr>
-      <p:grpSpPr>
-        <a:xfrm>
-          <a:off x="0" y="0"/>
-          <a:ext cx="0" cy="0"/>
-          <a:chOff x="0" y="0"/>
-          <a:chExt cx="0" cy="0"/>
-        </a:xfrm>
-      </p:grpSpPr>
-      <p:sp>
-        <p:nvSpPr>
-          <p:cNvPr id="2" name="Title 1">
-            <a:extLst>
-              <a:ext uri="{FF2B5EF4-FFF2-40B4-BE49-F238E27FC236}">
-                <a16:creationId xmlns:a16="http://schemas.microsoft.com/office/drawing/2014/main" id="{0E62C21A-EE0E-8BD8-BC36-3ADE9CC44837}"/>
-              </a:ext>
-            </a:extLst>
-          </p:cNvPr>
-          <p:cNvSpPr>
-            <a:spLocks noGrp="1"/>
-          </p:cNvSpPr>
-          <p:nvPr>
-            <p:ph type="title"/>
-          </p:nvPr>
-        </p:nvSpPr>
-        <p:spPr/>
-        <p:txBody>
-          <a:bodyPr/>
-          <a:lstStyle/>
-          <a:p>
-            <a:r>
-              <a:rPr lang="en-US" dirty="0"/>
-              <a:t>What is a spam?</a:t>
-            </a:r>
-          </a:p>
-        </p:txBody>
-      </p:sp>
-      <p:sp>
-        <p:nvSpPr>
-          <p:cNvPr id="3" name="Content Placeholder 2">
-            <a:extLst>
-              <a:ext uri="{FF2B5EF4-FFF2-40B4-BE49-F238E27FC236}">
-                <a16:creationId xmlns:a16="http://schemas.microsoft.com/office/drawing/2014/main" id="{F5F9A82A-0A78-9D9D-563A-E2A024368E8A}"/>
-              </a:ext>
-            </a:extLst>
-          </p:cNvPr>
-          <p:cNvSpPr>
-            <a:spLocks noGrp="1"/>
-          </p:cNvSpPr>
-          <p:nvPr>
-            <p:ph idx="1"/>
-          </p:nvPr>
-        </p:nvSpPr>
-        <p:spPr/>
-        <p:txBody>
-          <a:bodyPr>
-            <a:normAutofit/>
-          </a:bodyPr>
-          <a:lstStyle/>
-          <a:p>
-            <a:pPr>
-              <a:lnSpc>
-                <a:spcPct val="200000"/>
-              </a:lnSpc>
-            </a:pPr>
-            <a:r>
-              <a:rPr lang="en-US" sz="2400" dirty="0"/>
-              <a:t>Consider how do you identify a spam email</a:t>
-            </a:r>
-          </a:p>
-          <a:p>
-            <a:pPr lvl="1">
-              <a:lnSpc>
-                <a:spcPct val="200000"/>
-              </a:lnSpc>
-            </a:pPr>
-            <a:r>
-              <a:rPr lang="en-US" sz="2200" dirty="0"/>
-              <a:t>What’s your rule?</a:t>
-            </a:r>
-          </a:p>
-          <a:p>
-            <a:pPr>
-              <a:lnSpc>
-                <a:spcPct val="200000"/>
-              </a:lnSpc>
-            </a:pPr>
-            <a:r>
-              <a:rPr lang="en-US" sz="2400" dirty="0"/>
-              <a:t>…</a:t>
-            </a:r>
-            <a:r>
-              <a:rPr lang="en-US" sz="2400" i="1" dirty="0"/>
-              <a:t>we have a strong spam filtering system…</a:t>
-            </a:r>
-          </a:p>
-          <a:p>
-            <a:pPr lvl="1">
-              <a:lnSpc>
-                <a:spcPct val="200000"/>
-              </a:lnSpc>
-            </a:pPr>
-            <a:r>
-              <a:rPr lang="en-US" sz="2200" dirty="0"/>
-              <a:t>What does it mean?</a:t>
-            </a:r>
-          </a:p>
-          <a:p>
-            <a:pPr marL="274320" lvl="1" indent="0">
-              <a:lnSpc>
-                <a:spcPct val="200000"/>
-              </a:lnSpc>
-              <a:buNone/>
-            </a:pPr>
-            <a:endParaRPr lang="en-US" sz="2200" dirty="0"/>
-          </a:p>
-        </p:txBody>
-      </p:sp>
-    </p:spTree>
-    <p:extLst>
-      <p:ext uri="{BB962C8B-B14F-4D97-AF65-F5344CB8AC3E}">
-        <p14:creationId xmlns:p14="http://schemas.microsoft.com/office/powerpoint/2010/main" val="2480762340"/>
-      </p:ext>
-    </p:extLst>
-  </p:cSld>
-  <p:clrMapOvr>
-    <a:masterClrMapping/>
-  </p:clrMapOvr>
-</p:sld>
-</file>
-
-<file path=ppt/slides/slide20.xml><?xml version="1.0" encoding="utf-8"?>
+<file path=ppt/slides/slide22.xml><?xml version="1.0" encoding="utf-8"?>
 <p:sld xmlns:a="http://schemas.openxmlformats.org/drawingml/2006/main" xmlns:r="http://schemas.openxmlformats.org/officeDocument/2006/relationships" xmlns:p="http://schemas.openxmlformats.org/presentationml/2006/main">
   <p:cSld>
     <p:spTree>
@@ -11237,7 +12420,7 @@
 </p:sld>
 </file>
 
-<file path=ppt/slides/slide21.xml><?xml version="1.0" encoding="utf-8"?>
+<file path=ppt/slides/slide23.xml><?xml version="1.0" encoding="utf-8"?>
 <p:sld xmlns:a="http://schemas.openxmlformats.org/drawingml/2006/main" xmlns:r="http://schemas.openxmlformats.org/officeDocument/2006/relationships" xmlns:p="http://schemas.openxmlformats.org/presentationml/2006/main">
   <p:cSld>
     <p:spTree>
@@ -11376,7 +12559,7 @@
 </p:sld>
 </file>
 
-<file path=ppt/slides/slide22.xml><?xml version="1.0" encoding="utf-8"?>
+<file path=ppt/slides/slide24.xml><?xml version="1.0" encoding="utf-8"?>
 <p:sld xmlns:a="http://schemas.openxmlformats.org/drawingml/2006/main" xmlns:r="http://schemas.openxmlformats.org/officeDocument/2006/relationships" xmlns:p="http://schemas.openxmlformats.org/presentationml/2006/main">
   <p:cSld>
     <p:spTree>
@@ -11773,7 +12956,7 @@
 </p:sld>
 </file>
 
-<file path=ppt/slides/slide23.xml><?xml version="1.0" encoding="utf-8"?>
+<file path=ppt/slides/slide25.xml><?xml version="1.0" encoding="utf-8"?>
 <p:sld xmlns:a="http://schemas.openxmlformats.org/drawingml/2006/main" xmlns:r="http://schemas.openxmlformats.org/officeDocument/2006/relationships" xmlns:p="http://schemas.openxmlformats.org/presentationml/2006/main">
   <p:cSld>
     <p:spTree>
@@ -11839,32 +13022,55 @@
           <a:bodyPr/>
           <a:lstStyle/>
           <a:p>
+            <a:pPr>
+              <a:lnSpc>
+                <a:spcPct val="150000"/>
+              </a:lnSpc>
+            </a:pPr>
             <a:r>
               <a:rPr lang="en-US" dirty="0"/>
               <a:t>Need a metric for knowing how well our model is doing</a:t>
             </a:r>
           </a:p>
           <a:p>
+            <a:pPr>
+              <a:lnSpc>
+                <a:spcPct val="150000"/>
+              </a:lnSpc>
+            </a:pPr>
             <a:r>
               <a:rPr lang="en-US" dirty="0"/>
               <a:t>Revisit</a:t>
             </a:r>
           </a:p>
           <a:p>
-            <a:pPr lvl="1"/>
+            <a:pPr lvl="1">
+              <a:lnSpc>
+                <a:spcPct val="150000"/>
+              </a:lnSpc>
+            </a:pPr>
             <a:r>
               <a:rPr lang="en-US" dirty="0"/>
               <a:t>Precision: What fraction of the returned results are relevant to the information need?</a:t>
             </a:r>
           </a:p>
           <a:p>
-            <a:pPr lvl="1"/>
+            <a:pPr lvl="1">
+              <a:lnSpc>
+                <a:spcPct val="150000"/>
+              </a:lnSpc>
+            </a:pPr>
             <a:r>
               <a:rPr lang="en-US" dirty="0"/>
               <a:t>Recall: What fraction of the relevant documents in the collection were returned by the system?</a:t>
             </a:r>
           </a:p>
           <a:p>
+            <a:pPr>
+              <a:lnSpc>
+                <a:spcPct val="150000"/>
+              </a:lnSpc>
+            </a:pPr>
             <a:r>
               <a:rPr lang="en-US" dirty="0"/>
               <a:t>Consider building a confusion matrix</a:t>
@@ -11885,7 +13091,7 @@
 </p:sld>
 </file>
 
-<file path=ppt/slides/slide24.xml><?xml version="1.0" encoding="utf-8"?>
+<file path=ppt/slides/slide26.xml><?xml version="1.0" encoding="utf-8"?>
 <p:sld xmlns:a="http://schemas.openxmlformats.org/drawingml/2006/main" xmlns:r="http://schemas.openxmlformats.org/officeDocument/2006/relationships" xmlns:p="http://schemas.openxmlformats.org/presentationml/2006/main">
   <p:cSld>
     <p:spTree>
@@ -12224,7 +13430,7 @@
 </p:sld>
 </file>
 
-<file path=ppt/slides/slide25.xml><?xml version="1.0" encoding="utf-8"?>
+<file path=ppt/slides/slide27.xml><?xml version="1.0" encoding="utf-8"?>
 <p:sld xmlns:a="http://schemas.openxmlformats.org/drawingml/2006/main" xmlns:r="http://schemas.openxmlformats.org/officeDocument/2006/relationships" xmlns:p="http://schemas.openxmlformats.org/presentationml/2006/main">
   <p:cSld>
     <p:spTree>
@@ -12607,7 +13813,7 @@
 </p:sld>
 </file>
 
-<file path=ppt/slides/slide26.xml><?xml version="1.0" encoding="utf-8"?>
+<file path=ppt/slides/slide28.xml><?xml version="1.0" encoding="utf-8"?>
 <p:sld xmlns:a="http://schemas.openxmlformats.org/drawingml/2006/main" xmlns:r="http://schemas.openxmlformats.org/officeDocument/2006/relationships" xmlns:p="http://schemas.openxmlformats.org/presentationml/2006/main">
   <p:cSld>
     <p:spTree>
@@ -13040,7 +14246,7 @@
 </p:sld>
 </file>
 
-<file path=ppt/slides/slide27.xml><?xml version="1.0" encoding="utf-8"?>
+<file path=ppt/slides/slide29.xml><?xml version="1.0" encoding="utf-8"?>
 <p:sld xmlns:a="http://schemas.openxmlformats.org/drawingml/2006/main" xmlns:r="http://schemas.openxmlformats.org/officeDocument/2006/relationships" xmlns:p="http://schemas.openxmlformats.org/presentationml/2006/main">
   <p:cSld>
     <p:spTree>
@@ -13166,7 +14372,132 @@
 </p:sld>
 </file>
 
-<file path=ppt/slides/slide28.xml><?xml version="1.0" encoding="utf-8"?>
+<file path=ppt/slides/slide3.xml><?xml version="1.0" encoding="utf-8"?>
+<p:sld xmlns:a="http://schemas.openxmlformats.org/drawingml/2006/main" xmlns:r="http://schemas.openxmlformats.org/officeDocument/2006/relationships" xmlns:p="http://schemas.openxmlformats.org/presentationml/2006/main">
+  <p:cSld>
+    <p:spTree>
+      <p:nvGrpSpPr>
+        <p:cNvPr id="1" name=""/>
+        <p:cNvGrpSpPr/>
+        <p:nvPr/>
+      </p:nvGrpSpPr>
+      <p:grpSpPr>
+        <a:xfrm>
+          <a:off x="0" y="0"/>
+          <a:ext cx="0" cy="0"/>
+          <a:chOff x="0" y="0"/>
+          <a:chExt cx="0" cy="0"/>
+        </a:xfrm>
+      </p:grpSpPr>
+      <p:sp>
+        <p:nvSpPr>
+          <p:cNvPr id="3" name="Content Placeholder 2">
+            <a:extLst>
+              <a:ext uri="{FF2B5EF4-FFF2-40B4-BE49-F238E27FC236}">
+                <a16:creationId xmlns:a16="http://schemas.microsoft.com/office/drawing/2014/main" id="{875C8943-9FB9-9CD2-E02E-DAA67F1AF5CC}"/>
+              </a:ext>
+            </a:extLst>
+          </p:cNvPr>
+          <p:cNvSpPr>
+            <a:spLocks noGrp="1"/>
+          </p:cNvSpPr>
+          <p:nvPr>
+            <p:ph idx="1"/>
+          </p:nvPr>
+        </p:nvSpPr>
+        <p:spPr>
+          <a:xfrm>
+            <a:off x="1069848" y="725214"/>
+            <a:ext cx="10058400" cy="5446986"/>
+          </a:xfrm>
+        </p:spPr>
+        <p:txBody>
+          <a:bodyPr>
+            <a:normAutofit/>
+          </a:bodyPr>
+          <a:lstStyle/>
+          <a:p>
+            <a:pPr>
+              <a:lnSpc>
+                <a:spcPct val="150000"/>
+              </a:lnSpc>
+            </a:pPr>
+            <a:r>
+              <a:rPr lang="en-US" sz="3200" dirty="0"/>
+              <a:t>Text classification (categorization)</a:t>
+            </a:r>
+          </a:p>
+          <a:p>
+            <a:pPr lvl="1">
+              <a:lnSpc>
+                <a:spcPct val="150000"/>
+              </a:lnSpc>
+            </a:pPr>
+            <a:r>
+              <a:rPr lang="en-US" sz="3000" dirty="0"/>
+              <a:t>Assign a label or category to corpus or document</a:t>
+            </a:r>
+          </a:p>
+          <a:p>
+            <a:pPr lvl="2">
+              <a:lnSpc>
+                <a:spcPct val="150000"/>
+              </a:lnSpc>
+            </a:pPr>
+            <a:r>
+              <a:rPr lang="en-US" sz="2800" dirty="0"/>
+              <a:t>Spam detection</a:t>
+            </a:r>
+          </a:p>
+          <a:p>
+            <a:pPr lvl="2">
+              <a:lnSpc>
+                <a:spcPct val="150000"/>
+              </a:lnSpc>
+            </a:pPr>
+            <a:r>
+              <a:rPr lang="en-US" sz="2800" dirty="0"/>
+              <a:t>Sentiment analysis</a:t>
+            </a:r>
+          </a:p>
+          <a:p>
+            <a:pPr lvl="2">
+              <a:lnSpc>
+                <a:spcPct val="150000"/>
+              </a:lnSpc>
+            </a:pPr>
+            <a:r>
+              <a:rPr lang="en-US" sz="2800" dirty="0"/>
+              <a:t>Language ID</a:t>
+            </a:r>
+          </a:p>
+          <a:p>
+            <a:pPr lvl="2">
+              <a:lnSpc>
+                <a:spcPct val="150000"/>
+              </a:lnSpc>
+            </a:pPr>
+            <a:r>
+              <a:rPr lang="en-US" sz="2800" dirty="0"/>
+              <a:t>Topic modeling</a:t>
+            </a:r>
+          </a:p>
+        </p:txBody>
+      </p:sp>
+    </p:spTree>
+    <p:extLst>
+      <p:ext uri="{BB962C8B-B14F-4D97-AF65-F5344CB8AC3E}">
+        <p14:creationId xmlns:p14="http://schemas.microsoft.com/office/powerpoint/2010/main" val="1752272972"/>
+      </p:ext>
+    </p:extLst>
+  </p:cSld>
+  <p:clrMapOvr>
+    <a:masterClrMapping/>
+  </p:clrMapOvr>
+</p:sld>
+</file>
+
+<file path=ppt/slides/slide30.xml><?xml version="1.0" encoding="utf-8"?>
 <p:sld xmlns:a="http://schemas.openxmlformats.org/drawingml/2006/main" xmlns:r="http://schemas.openxmlformats.org/officeDocument/2006/relationships" xmlns:p="http://schemas.openxmlformats.org/presentationml/2006/main">
   <p:cSld>
     <p:spTree>
@@ -13228,7 +14559,7 @@
 </p:sld>
 </file>
 
-<file path=ppt/slides/slide29.xml><?xml version="1.0" encoding="utf-8"?>
+<file path=ppt/slides/slide31.xml><?xml version="1.0" encoding="utf-8"?>
 <p:sld xmlns:a="http://schemas.openxmlformats.org/drawingml/2006/main" xmlns:r="http://schemas.openxmlformats.org/officeDocument/2006/relationships" xmlns:p="http://schemas.openxmlformats.org/presentationml/2006/main">
   <p:cSld>
     <p:spTree>
@@ -13671,132 +15002,7 @@
 </p:sld>
 </file>
 
-<file path=ppt/slides/slide3.xml><?xml version="1.0" encoding="utf-8"?>
-<p:sld xmlns:a="http://schemas.openxmlformats.org/drawingml/2006/main" xmlns:r="http://schemas.openxmlformats.org/officeDocument/2006/relationships" xmlns:p="http://schemas.openxmlformats.org/presentationml/2006/main">
-  <p:cSld>
-    <p:spTree>
-      <p:nvGrpSpPr>
-        <p:cNvPr id="1" name=""/>
-        <p:cNvGrpSpPr/>
-        <p:nvPr/>
-      </p:nvGrpSpPr>
-      <p:grpSpPr>
-        <a:xfrm>
-          <a:off x="0" y="0"/>
-          <a:ext cx="0" cy="0"/>
-          <a:chOff x="0" y="0"/>
-          <a:chExt cx="0" cy="0"/>
-        </a:xfrm>
-      </p:grpSpPr>
-      <p:sp>
-        <p:nvSpPr>
-          <p:cNvPr id="3" name="Content Placeholder 2">
-            <a:extLst>
-              <a:ext uri="{FF2B5EF4-FFF2-40B4-BE49-F238E27FC236}">
-                <a16:creationId xmlns:a16="http://schemas.microsoft.com/office/drawing/2014/main" id="{875C8943-9FB9-9CD2-E02E-DAA67F1AF5CC}"/>
-              </a:ext>
-            </a:extLst>
-          </p:cNvPr>
-          <p:cNvSpPr>
-            <a:spLocks noGrp="1"/>
-          </p:cNvSpPr>
-          <p:nvPr>
-            <p:ph idx="1"/>
-          </p:nvPr>
-        </p:nvSpPr>
-        <p:spPr>
-          <a:xfrm>
-            <a:off x="1069848" y="725214"/>
-            <a:ext cx="10058400" cy="5446986"/>
-          </a:xfrm>
-        </p:spPr>
-        <p:txBody>
-          <a:bodyPr>
-            <a:normAutofit/>
-          </a:bodyPr>
-          <a:lstStyle/>
-          <a:p>
-            <a:pPr>
-              <a:lnSpc>
-                <a:spcPct val="150000"/>
-              </a:lnSpc>
-            </a:pPr>
-            <a:r>
-              <a:rPr lang="en-US" sz="3200" dirty="0"/>
-              <a:t>Text classification (categorization)</a:t>
-            </a:r>
-          </a:p>
-          <a:p>
-            <a:pPr lvl="1">
-              <a:lnSpc>
-                <a:spcPct val="150000"/>
-              </a:lnSpc>
-            </a:pPr>
-            <a:r>
-              <a:rPr lang="en-US" sz="3000" dirty="0"/>
-              <a:t>Assign a label or category to corpus or document</a:t>
-            </a:r>
-          </a:p>
-          <a:p>
-            <a:pPr lvl="2">
-              <a:lnSpc>
-                <a:spcPct val="150000"/>
-              </a:lnSpc>
-            </a:pPr>
-            <a:r>
-              <a:rPr lang="en-US" sz="2800" dirty="0"/>
-              <a:t>Spam detection</a:t>
-            </a:r>
-          </a:p>
-          <a:p>
-            <a:pPr lvl="2">
-              <a:lnSpc>
-                <a:spcPct val="150000"/>
-              </a:lnSpc>
-            </a:pPr>
-            <a:r>
-              <a:rPr lang="en-US" sz="2800" dirty="0"/>
-              <a:t>Sentiment analysis</a:t>
-            </a:r>
-          </a:p>
-          <a:p>
-            <a:pPr lvl="2">
-              <a:lnSpc>
-                <a:spcPct val="150000"/>
-              </a:lnSpc>
-            </a:pPr>
-            <a:r>
-              <a:rPr lang="en-US" sz="2800" dirty="0"/>
-              <a:t>Language ID</a:t>
-            </a:r>
-          </a:p>
-          <a:p>
-            <a:pPr lvl="2">
-              <a:lnSpc>
-                <a:spcPct val="150000"/>
-              </a:lnSpc>
-            </a:pPr>
-            <a:r>
-              <a:rPr lang="en-US" sz="2800" dirty="0"/>
-              <a:t>Topic modeling</a:t>
-            </a:r>
-          </a:p>
-        </p:txBody>
-      </p:sp>
-    </p:spTree>
-    <p:extLst>
-      <p:ext uri="{BB962C8B-B14F-4D97-AF65-F5344CB8AC3E}">
-        <p14:creationId xmlns:p14="http://schemas.microsoft.com/office/powerpoint/2010/main" val="1752272972"/>
-      </p:ext>
-    </p:extLst>
-  </p:cSld>
-  <p:clrMapOvr>
-    <a:masterClrMapping/>
-  </p:clrMapOvr>
-</p:sld>
-</file>
-
-<file path=ppt/slides/slide30.xml><?xml version="1.0" encoding="utf-8"?>
+<file path=ppt/slides/slide32.xml><?xml version="1.0" encoding="utf-8"?>
 <p:sld xmlns:a="http://schemas.openxmlformats.org/drawingml/2006/main" xmlns:r="http://schemas.openxmlformats.org/officeDocument/2006/relationships" xmlns:p="http://schemas.openxmlformats.org/presentationml/2006/main">
   <p:cSld>
     <p:spTree>
@@ -14400,7 +15606,7 @@
 </p:sld>
 </file>
 
-<file path=ppt/slides/slide31.xml><?xml version="1.0" encoding="utf-8"?>
+<file path=ppt/slides/slide33.xml><?xml version="1.0" encoding="utf-8"?>
 <p:sld xmlns:a="http://schemas.openxmlformats.org/drawingml/2006/main" xmlns:r="http://schemas.openxmlformats.org/officeDocument/2006/relationships" xmlns:p="http://schemas.openxmlformats.org/presentationml/2006/main">
   <p:cSld>
     <p:spTree>
@@ -14507,7 +15713,7 @@
 </p:sld>
 </file>
 
-<file path=ppt/slides/slide32.xml><?xml version="1.0" encoding="utf-8"?>
+<file path=ppt/slides/slide34.xml><?xml version="1.0" encoding="utf-8"?>
 <p:sld xmlns:a="http://schemas.openxmlformats.org/drawingml/2006/main" xmlns:r="http://schemas.openxmlformats.org/officeDocument/2006/relationships" xmlns:p="http://schemas.openxmlformats.org/presentationml/2006/main">
   <p:cSld>
     <p:spTree>
@@ -14634,7 +15840,7 @@
 </p:sld>
 </file>
 
-<file path=ppt/slides/slide33.xml><?xml version="1.0" encoding="utf-8"?>
+<file path=ppt/slides/slide35.xml><?xml version="1.0" encoding="utf-8"?>
 <p:sld xmlns:a="http://schemas.openxmlformats.org/drawingml/2006/main" xmlns:r="http://schemas.openxmlformats.org/officeDocument/2006/relationships" xmlns:p="http://schemas.openxmlformats.org/presentationml/2006/main">
   <p:cSld>
     <p:spTree>
@@ -14761,7 +15967,7 @@
 </p:sld>
 </file>
 
-<file path=ppt/slides/slide34.xml><?xml version="1.0" encoding="utf-8"?>
+<file path=ppt/slides/slide36.xml><?xml version="1.0" encoding="utf-8"?>
 <p:sld xmlns:a="http://schemas.openxmlformats.org/drawingml/2006/main" xmlns:r="http://schemas.openxmlformats.org/officeDocument/2006/relationships" xmlns:p="http://schemas.openxmlformats.org/presentationml/2006/main">
   <p:cSld>
     <p:spTree>
@@ -15380,7 +16586,7 @@
 </p:sld>
 </file>
 
-<file path=ppt/slides/slide35.xml><?xml version="1.0" encoding="utf-8"?>
+<file path=ppt/slides/slide37.xml><?xml version="1.0" encoding="utf-8"?>
 <p:sld xmlns:a="http://schemas.openxmlformats.org/drawingml/2006/main" xmlns:r="http://schemas.openxmlformats.org/officeDocument/2006/relationships" xmlns:p="http://schemas.openxmlformats.org/presentationml/2006/main">
   <p:cSld>
     <p:spTree>
@@ -15685,7 +16891,7 @@
 </p:sld>
 </file>
 
-<file path=ppt/slides/slide36.xml><?xml version="1.0" encoding="utf-8"?>
+<file path=ppt/slides/slide38.xml><?xml version="1.0" encoding="utf-8"?>
 <p:sld xmlns:a="http://schemas.openxmlformats.org/drawingml/2006/main" xmlns:r="http://schemas.openxmlformats.org/officeDocument/2006/relationships" xmlns:p="http://schemas.openxmlformats.org/presentationml/2006/main">
   <p:cSld>
     <p:spTree>
@@ -15992,7 +17198,7 @@
 </p:sld>
 </file>
 
-<file path=ppt/slides/slide37.xml><?xml version="1.0" encoding="utf-8"?>
+<file path=ppt/slides/slide39.xml><?xml version="1.0" encoding="utf-8"?>
 <p:sld xmlns:a="http://schemas.openxmlformats.org/drawingml/2006/main" xmlns:r="http://schemas.openxmlformats.org/officeDocument/2006/relationships" xmlns:p="http://schemas.openxmlformats.org/presentationml/2006/main">
   <p:cSld>
     <p:spTree>
@@ -16147,7 +17353,7 @@
             </a:pPr>
             <a:r>
               <a:rPr lang="en-US" sz="2800" dirty="0"/>
-              <a:t>Any concerns?</a:t>
+              <a:t>Frequency of these words might imply something</a:t>
             </a:r>
           </a:p>
           <a:p>
@@ -16158,19 +17364,9 @@
             </a:pPr>
             <a:r>
               <a:rPr lang="en-US" sz="2800" dirty="0"/>
-              <a:t>Build some rules</a:t>
+              <a:t>Any concern?</a:t>
             </a:r>
-          </a:p>
-          <a:p>
-            <a:pPr lvl="1">
-              <a:lnSpc>
-                <a:spcPct val="150000"/>
-              </a:lnSpc>
-            </a:pPr>
-            <a:r>
-              <a:rPr lang="en-US" sz="2600" dirty="0"/>
-              <a:t>Can be fragile </a:t>
-            </a:r>
+            <a:endParaRPr lang="en-US" sz="2600" dirty="0"/>
           </a:p>
         </p:txBody>
       </p:sp>
@@ -16184,6 +17380,281 @@
   <p:clrMapOvr>
     <a:masterClrMapping/>
   </p:clrMapOvr>
+  <p:timing>
+    <p:tnLst>
+      <p:par>
+        <p:cTn id="1" dur="indefinite" restart="never" nodeType="tmRoot">
+          <p:childTnLst>
+            <p:seq concurrent="1" nextAc="seek">
+              <p:cTn id="2" dur="indefinite" nodeType="mainSeq">
+                <p:childTnLst>
+                  <p:par>
+                    <p:cTn id="3" fill="hold">
+                      <p:stCondLst>
+                        <p:cond delay="indefinite"/>
+                      </p:stCondLst>
+                      <p:childTnLst>
+                        <p:par>
+                          <p:cTn id="4" fill="hold">
+                            <p:stCondLst>
+                              <p:cond delay="0"/>
+                            </p:stCondLst>
+                            <p:childTnLst>
+                              <p:par>
+                                <p:cTn id="5" presetID="1" presetClass="entr" presetSubtype="0" fill="hold" nodeType="clickEffect">
+                                  <p:stCondLst>
+                                    <p:cond delay="0"/>
+                                  </p:stCondLst>
+                                  <p:childTnLst>
+                                    <p:set>
+                                      <p:cBhvr>
+                                        <p:cTn id="6" dur="1" fill="hold">
+                                          <p:stCondLst>
+                                            <p:cond delay="0"/>
+                                          </p:stCondLst>
+                                        </p:cTn>
+                                        <p:tgtEl>
+                                          <p:spTgt spid="3">
+                                            <p:txEl>
+                                              <p:pRg st="1" end="1"/>
+                                            </p:txEl>
+                                          </p:spTgt>
+                                        </p:tgtEl>
+                                        <p:attrNameLst>
+                                          <p:attrName>style.visibility</p:attrName>
+                                        </p:attrNameLst>
+                                      </p:cBhvr>
+                                      <p:to>
+                                        <p:strVal val="visible"/>
+                                      </p:to>
+                                    </p:set>
+                                  </p:childTnLst>
+                                </p:cTn>
+                              </p:par>
+                            </p:childTnLst>
+                          </p:cTn>
+                        </p:par>
+                      </p:childTnLst>
+                    </p:cTn>
+                  </p:par>
+                  <p:par>
+                    <p:cTn id="7" fill="hold">
+                      <p:stCondLst>
+                        <p:cond delay="indefinite"/>
+                      </p:stCondLst>
+                      <p:childTnLst>
+                        <p:par>
+                          <p:cTn id="8" fill="hold">
+                            <p:stCondLst>
+                              <p:cond delay="0"/>
+                            </p:stCondLst>
+                            <p:childTnLst>
+                              <p:par>
+                                <p:cTn id="9" presetID="1" presetClass="entr" presetSubtype="0" fill="hold" nodeType="clickEffect">
+                                  <p:stCondLst>
+                                    <p:cond delay="0"/>
+                                  </p:stCondLst>
+                                  <p:childTnLst>
+                                    <p:set>
+                                      <p:cBhvr>
+                                        <p:cTn id="10" dur="1" fill="hold">
+                                          <p:stCondLst>
+                                            <p:cond delay="0"/>
+                                          </p:stCondLst>
+                                        </p:cTn>
+                                        <p:tgtEl>
+                                          <p:spTgt spid="3">
+                                            <p:txEl>
+                                              <p:pRg st="2" end="2"/>
+                                            </p:txEl>
+                                          </p:spTgt>
+                                        </p:tgtEl>
+                                        <p:attrNameLst>
+                                          <p:attrName>style.visibility</p:attrName>
+                                        </p:attrNameLst>
+                                      </p:cBhvr>
+                                      <p:to>
+                                        <p:strVal val="visible"/>
+                                      </p:to>
+                                    </p:set>
+                                  </p:childTnLst>
+                                </p:cTn>
+                              </p:par>
+                            </p:childTnLst>
+                          </p:cTn>
+                        </p:par>
+                      </p:childTnLst>
+                    </p:cTn>
+                  </p:par>
+                  <p:par>
+                    <p:cTn id="11" fill="hold">
+                      <p:stCondLst>
+                        <p:cond delay="indefinite"/>
+                      </p:stCondLst>
+                      <p:childTnLst>
+                        <p:par>
+                          <p:cTn id="12" fill="hold">
+                            <p:stCondLst>
+                              <p:cond delay="0"/>
+                            </p:stCondLst>
+                            <p:childTnLst>
+                              <p:par>
+                                <p:cTn id="13" presetID="1" presetClass="entr" presetSubtype="0" fill="hold" nodeType="clickEffect">
+                                  <p:stCondLst>
+                                    <p:cond delay="0"/>
+                                  </p:stCondLst>
+                                  <p:childTnLst>
+                                    <p:set>
+                                      <p:cBhvr>
+                                        <p:cTn id="14" dur="1" fill="hold">
+                                          <p:stCondLst>
+                                            <p:cond delay="0"/>
+                                          </p:stCondLst>
+                                        </p:cTn>
+                                        <p:tgtEl>
+                                          <p:spTgt spid="3">
+                                            <p:txEl>
+                                              <p:pRg st="3" end="3"/>
+                                            </p:txEl>
+                                          </p:spTgt>
+                                        </p:tgtEl>
+                                        <p:attrNameLst>
+                                          <p:attrName>style.visibility</p:attrName>
+                                        </p:attrNameLst>
+                                      </p:cBhvr>
+                                      <p:to>
+                                        <p:strVal val="visible"/>
+                                      </p:to>
+                                    </p:set>
+                                  </p:childTnLst>
+                                </p:cTn>
+                              </p:par>
+                            </p:childTnLst>
+                          </p:cTn>
+                        </p:par>
+                      </p:childTnLst>
+                    </p:cTn>
+                  </p:par>
+                  <p:par>
+                    <p:cTn id="15" fill="hold">
+                      <p:stCondLst>
+                        <p:cond delay="indefinite"/>
+                      </p:stCondLst>
+                      <p:childTnLst>
+                        <p:par>
+                          <p:cTn id="16" fill="hold">
+                            <p:stCondLst>
+                              <p:cond delay="0"/>
+                            </p:stCondLst>
+                            <p:childTnLst>
+                              <p:par>
+                                <p:cTn id="17" presetID="1" presetClass="entr" presetSubtype="0" fill="hold" nodeType="clickEffect">
+                                  <p:stCondLst>
+                                    <p:cond delay="0"/>
+                                  </p:stCondLst>
+                                  <p:childTnLst>
+                                    <p:set>
+                                      <p:cBhvr>
+                                        <p:cTn id="18" dur="1" fill="hold">
+                                          <p:stCondLst>
+                                            <p:cond delay="0"/>
+                                          </p:stCondLst>
+                                        </p:cTn>
+                                        <p:tgtEl>
+                                          <p:spTgt spid="3">
+                                            <p:txEl>
+                                              <p:pRg st="4" end="4"/>
+                                            </p:txEl>
+                                          </p:spTgt>
+                                        </p:tgtEl>
+                                        <p:attrNameLst>
+                                          <p:attrName>style.visibility</p:attrName>
+                                        </p:attrNameLst>
+                                      </p:cBhvr>
+                                      <p:to>
+                                        <p:strVal val="visible"/>
+                                      </p:to>
+                                    </p:set>
+                                  </p:childTnLst>
+                                </p:cTn>
+                              </p:par>
+                            </p:childTnLst>
+                          </p:cTn>
+                        </p:par>
+                      </p:childTnLst>
+                    </p:cTn>
+                  </p:par>
+                  <p:par>
+                    <p:cTn id="19" fill="hold">
+                      <p:stCondLst>
+                        <p:cond delay="indefinite"/>
+                      </p:stCondLst>
+                      <p:childTnLst>
+                        <p:par>
+                          <p:cTn id="20" fill="hold">
+                            <p:stCondLst>
+                              <p:cond delay="0"/>
+                            </p:stCondLst>
+                            <p:childTnLst>
+                              <p:par>
+                                <p:cTn id="21" presetID="1" presetClass="entr" presetSubtype="0" fill="hold" nodeType="clickEffect">
+                                  <p:stCondLst>
+                                    <p:cond delay="0"/>
+                                  </p:stCondLst>
+                                  <p:childTnLst>
+                                    <p:set>
+                                      <p:cBhvr>
+                                        <p:cTn id="22" dur="1" fill="hold">
+                                          <p:stCondLst>
+                                            <p:cond delay="0"/>
+                                          </p:stCondLst>
+                                        </p:cTn>
+                                        <p:tgtEl>
+                                          <p:spTgt spid="3">
+                                            <p:txEl>
+                                              <p:pRg st="5" end="5"/>
+                                            </p:txEl>
+                                          </p:spTgt>
+                                        </p:tgtEl>
+                                        <p:attrNameLst>
+                                          <p:attrName>style.visibility</p:attrName>
+                                        </p:attrNameLst>
+                                      </p:cBhvr>
+                                      <p:to>
+                                        <p:strVal val="visible"/>
+                                      </p:to>
+                                    </p:set>
+                                  </p:childTnLst>
+                                </p:cTn>
+                              </p:par>
+                            </p:childTnLst>
+                          </p:cTn>
+                        </p:par>
+                      </p:childTnLst>
+                    </p:cTn>
+                  </p:par>
+                </p:childTnLst>
+              </p:cTn>
+              <p:prevCondLst>
+                <p:cond evt="onPrev" delay="0">
+                  <p:tgtEl>
+                    <p:sldTgt/>
+                  </p:tgtEl>
+                </p:cond>
+              </p:prevCondLst>
+              <p:nextCondLst>
+                <p:cond evt="onNext" delay="0">
+                  <p:tgtEl>
+                    <p:sldTgt/>
+                  </p:tgtEl>
+                </p:cond>
+              </p:nextCondLst>
+            </p:seq>
+          </p:childTnLst>
+        </p:cTn>
+      </p:par>
+    </p:tnLst>
+  </p:timing>
 </p:sld>
 </file>
 
@@ -16243,6 +17714,28 @@
             </a:r>
           </a:p>
           <a:p>
+            <a:pPr lvl="1">
+              <a:lnSpc>
+                <a:spcPct val="200000"/>
+              </a:lnSpc>
+            </a:pPr>
+            <a:r>
+              <a:rPr lang="en-US" sz="3000" dirty="0"/>
+              <a:t>Wait, what is it?</a:t>
+            </a:r>
+          </a:p>
+          <a:p>
+            <a:pPr lvl="1">
+              <a:lnSpc>
+                <a:spcPct val="200000"/>
+              </a:lnSpc>
+            </a:pPr>
+            <a:r>
+              <a:rPr lang="en-US" sz="3000" dirty="0"/>
+              <a:t>With labeled data, learn how to produce the goal</a:t>
+            </a:r>
+          </a:p>
+          <a:p>
             <a:pPr>
               <a:lnSpc>
                 <a:spcPct val="200000"/>
@@ -16252,18 +17745,6 @@
               <a:rPr lang="en-US" sz="3200" dirty="0"/>
               <a:t>Simple sentiment analysis task</a:t>
             </a:r>
-          </a:p>
-          <a:p>
-            <a:pPr lvl="1">
-              <a:lnSpc>
-                <a:spcPct val="200000"/>
-              </a:lnSpc>
-            </a:pPr>
-            <a:r>
-              <a:rPr lang="en-US" sz="3000" dirty="0"/>
-              <a:t>is the attitude of this text positive or negative</a:t>
-            </a:r>
-            <a:endParaRPr lang="en-US" sz="2400" dirty="0"/>
           </a:p>
         </p:txBody>
       </p:sp>
@@ -16277,6 +17758,183 @@
   <p:clrMapOvr>
     <a:masterClrMapping/>
   </p:clrMapOvr>
+  <p:timing>
+    <p:tnLst>
+      <p:par>
+        <p:cTn id="1" dur="indefinite" restart="never" nodeType="tmRoot">
+          <p:childTnLst>
+            <p:seq concurrent="1" nextAc="seek">
+              <p:cTn id="2" dur="indefinite" nodeType="mainSeq">
+                <p:childTnLst>
+                  <p:par>
+                    <p:cTn id="3" fill="hold">
+                      <p:stCondLst>
+                        <p:cond delay="indefinite"/>
+                      </p:stCondLst>
+                      <p:childTnLst>
+                        <p:par>
+                          <p:cTn id="4" fill="hold">
+                            <p:stCondLst>
+                              <p:cond delay="0"/>
+                            </p:stCondLst>
+                            <p:childTnLst>
+                              <p:par>
+                                <p:cTn id="5" presetID="1" presetClass="entr" presetSubtype="0" fill="hold" nodeType="clickEffect">
+                                  <p:stCondLst>
+                                    <p:cond delay="0"/>
+                                  </p:stCondLst>
+                                  <p:childTnLst>
+                                    <p:set>
+                                      <p:cBhvr>
+                                        <p:cTn id="6" dur="1" fill="hold">
+                                          <p:stCondLst>
+                                            <p:cond delay="0"/>
+                                          </p:stCondLst>
+                                        </p:cTn>
+                                        <p:tgtEl>
+                                          <p:spTgt spid="3">
+                                            <p:txEl>
+                                              <p:pRg st="1" end="1"/>
+                                            </p:txEl>
+                                          </p:spTgt>
+                                        </p:tgtEl>
+                                        <p:attrNameLst>
+                                          <p:attrName>style.visibility</p:attrName>
+                                        </p:attrNameLst>
+                                      </p:cBhvr>
+                                      <p:to>
+                                        <p:strVal val="visible"/>
+                                      </p:to>
+                                    </p:set>
+                                  </p:childTnLst>
+                                </p:cTn>
+                              </p:par>
+                            </p:childTnLst>
+                          </p:cTn>
+                        </p:par>
+                      </p:childTnLst>
+                    </p:cTn>
+                  </p:par>
+                  <p:par>
+                    <p:cTn id="7" fill="hold">
+                      <p:stCondLst>
+                        <p:cond delay="indefinite"/>
+                      </p:stCondLst>
+                      <p:childTnLst>
+                        <p:par>
+                          <p:cTn id="8" fill="hold">
+                            <p:stCondLst>
+                              <p:cond delay="0"/>
+                            </p:stCondLst>
+                            <p:childTnLst>
+                              <p:par>
+                                <p:cTn id="9" presetID="1" presetClass="entr" presetSubtype="0" fill="hold" nodeType="clickEffect">
+                                  <p:stCondLst>
+                                    <p:cond delay="0"/>
+                                  </p:stCondLst>
+                                  <p:childTnLst>
+                                    <p:set>
+                                      <p:cBhvr>
+                                        <p:cTn id="10" dur="1" fill="hold">
+                                          <p:stCondLst>
+                                            <p:cond delay="0"/>
+                                          </p:stCondLst>
+                                        </p:cTn>
+                                        <p:tgtEl>
+                                          <p:spTgt spid="3">
+                                            <p:txEl>
+                                              <p:pRg st="2" end="2"/>
+                                            </p:txEl>
+                                          </p:spTgt>
+                                        </p:tgtEl>
+                                        <p:attrNameLst>
+                                          <p:attrName>style.visibility</p:attrName>
+                                        </p:attrNameLst>
+                                      </p:cBhvr>
+                                      <p:to>
+                                        <p:strVal val="visible"/>
+                                      </p:to>
+                                    </p:set>
+                                  </p:childTnLst>
+                                </p:cTn>
+                              </p:par>
+                            </p:childTnLst>
+                          </p:cTn>
+                        </p:par>
+                      </p:childTnLst>
+                    </p:cTn>
+                  </p:par>
+                  <p:par>
+                    <p:cTn id="11" fill="hold">
+                      <p:stCondLst>
+                        <p:cond delay="indefinite"/>
+                      </p:stCondLst>
+                      <p:childTnLst>
+                        <p:par>
+                          <p:cTn id="12" fill="hold">
+                            <p:stCondLst>
+                              <p:cond delay="0"/>
+                            </p:stCondLst>
+                            <p:childTnLst>
+                              <p:par>
+                                <p:cTn id="13" presetID="1" presetClass="entr" presetSubtype="0" fill="hold" nodeType="clickEffect">
+                                  <p:stCondLst>
+                                    <p:cond delay="0"/>
+                                  </p:stCondLst>
+                                  <p:childTnLst>
+                                    <p:set>
+                                      <p:cBhvr>
+                                        <p:cTn id="14" dur="1" fill="hold">
+                                          <p:stCondLst>
+                                            <p:cond delay="0"/>
+                                          </p:stCondLst>
+                                        </p:cTn>
+                                        <p:tgtEl>
+                                          <p:spTgt spid="3">
+                                            <p:txEl>
+                                              <p:pRg st="3" end="3"/>
+                                            </p:txEl>
+                                          </p:spTgt>
+                                        </p:tgtEl>
+                                        <p:attrNameLst>
+                                          <p:attrName>style.visibility</p:attrName>
+                                        </p:attrNameLst>
+                                      </p:cBhvr>
+                                      <p:to>
+                                        <p:strVal val="visible"/>
+                                      </p:to>
+                                    </p:set>
+                                  </p:childTnLst>
+                                </p:cTn>
+                              </p:par>
+                            </p:childTnLst>
+                          </p:cTn>
+                        </p:par>
+                      </p:childTnLst>
+                    </p:cTn>
+                  </p:par>
+                </p:childTnLst>
+              </p:cTn>
+              <p:prevCondLst>
+                <p:cond evt="onPrev" delay="0">
+                  <p:tgtEl>
+                    <p:sldTgt/>
+                  </p:tgtEl>
+                </p:cond>
+              </p:prevCondLst>
+              <p:nextCondLst>
+                <p:cond evt="onNext" delay="0">
+                  <p:tgtEl>
+                    <p:sldTgt/>
+                  </p:tgtEl>
+                </p:cond>
+              </p:nextCondLst>
+            </p:seq>
+          </p:childTnLst>
+        </p:cTn>
+      </p:par>
+    </p:tnLst>
+  </p:timing>
 </p:sld>
 </file>
 
@@ -16753,81 +18411,39 @@
           <a:chExt cx="0" cy="0"/>
         </a:xfrm>
       </p:grpSpPr>
-      <p:sp>
-        <p:nvSpPr>
-          <p:cNvPr id="3" name="Content Placeholder 2">
+      <p:pic>
+        <p:nvPicPr>
+          <p:cNvPr id="4" name="Content Placeholder 4" descr="A picture containing text, screenshot, font, number&#10;&#10;Description automatically generated">
             <a:extLst>
               <a:ext uri="{FF2B5EF4-FFF2-40B4-BE49-F238E27FC236}">
-                <a16:creationId xmlns:a16="http://schemas.microsoft.com/office/drawing/2014/main" id="{875C8943-9FB9-9CD2-E02E-DAA67F1AF5CC}"/>
+                <a16:creationId xmlns:a16="http://schemas.microsoft.com/office/drawing/2014/main" id="{D81F95B0-D4DD-5E17-B9B3-87F327C2929B}"/>
               </a:ext>
             </a:extLst>
           </p:cNvPr>
-          <p:cNvSpPr>
-            <a:spLocks noGrp="1"/>
-          </p:cNvSpPr>
+          <p:cNvPicPr>
+            <a:picLocks noGrp="1" noChangeAspect="1"/>
+          </p:cNvPicPr>
           <p:nvPr>
             <p:ph idx="1"/>
           </p:nvPr>
-        </p:nvSpPr>
+        </p:nvPicPr>
+        <p:blipFill>
+          <a:blip r:embed="rId2"/>
+          <a:stretch>
+            <a:fillRect/>
+          </a:stretch>
+        </p:blipFill>
         <p:spPr>
           <a:xfrm>
-            <a:off x="1069848" y="725214"/>
-            <a:ext cx="10058400" cy="5446986"/>
+            <a:off x="2802191" y="1206500"/>
+            <a:ext cx="6587618" cy="4051300"/>
           </a:xfrm>
         </p:spPr>
-        <p:txBody>
-          <a:bodyPr>
-            <a:normAutofit/>
-          </a:bodyPr>
-          <a:lstStyle/>
-          <a:p>
-            <a:pPr>
-              <a:lnSpc>
-                <a:spcPct val="200000"/>
-              </a:lnSpc>
-            </a:pPr>
-            <a:r>
-              <a:rPr lang="en-US" sz="3200" dirty="0"/>
-              <a:t>Today, we study </a:t>
-            </a:r>
-            <a:r>
-              <a:rPr lang="en-US" sz="3200" b="1" dirty="0"/>
-              <a:t>generative classifiers</a:t>
-            </a:r>
-            <a:r>
-              <a:rPr lang="en-US" sz="3200" dirty="0"/>
-              <a:t> like naïve Bayes</a:t>
-            </a:r>
-          </a:p>
-          <a:p>
-            <a:pPr>
-              <a:lnSpc>
-                <a:spcPct val="200000"/>
-              </a:lnSpc>
-            </a:pPr>
-            <a:r>
-              <a:rPr lang="en-US" sz="3200" dirty="0"/>
-              <a:t>Next class, we turn to </a:t>
-            </a:r>
-            <a:r>
-              <a:rPr lang="en-US" sz="3200" b="1" dirty="0"/>
-              <a:t>discriminative classifiers</a:t>
-            </a:r>
-          </a:p>
-          <a:p>
-            <a:pPr>
-              <a:lnSpc>
-                <a:spcPct val="200000"/>
-              </a:lnSpc>
-            </a:pPr>
-            <a:endParaRPr lang="en-US" sz="2600" dirty="0"/>
-          </a:p>
-        </p:txBody>
-      </p:sp>
+      </p:pic>
     </p:spTree>
     <p:extLst>
       <p:ext uri="{BB962C8B-B14F-4D97-AF65-F5344CB8AC3E}">
-        <p14:creationId xmlns:p14="http://schemas.microsoft.com/office/powerpoint/2010/main" val="1301496069"/>
+        <p14:creationId xmlns:p14="http://schemas.microsoft.com/office/powerpoint/2010/main" val="1858539393"/>
       </p:ext>
     </p:extLst>
   </p:cSld>
@@ -16856,10 +18472,10 @@
       </p:grpSpPr>
       <p:sp>
         <p:nvSpPr>
-          <p:cNvPr id="2" name="Title 1">
+          <p:cNvPr id="3" name="Content Placeholder 2">
             <a:extLst>
               <a:ext uri="{FF2B5EF4-FFF2-40B4-BE49-F238E27FC236}">
-                <a16:creationId xmlns:a16="http://schemas.microsoft.com/office/drawing/2014/main" id="{AABE9EF7-1CBF-A90C-5E4F-11C2B0BE870F}"/>
+                <a16:creationId xmlns:a16="http://schemas.microsoft.com/office/drawing/2014/main" id="{875C8943-9FB9-9CD2-E02E-DAA67F1AF5CC}"/>
               </a:ext>
             </a:extLst>
           </p:cNvPr>
@@ -16867,261 +18483,90 @@
             <a:spLocks noGrp="1"/>
           </p:cNvSpPr>
           <p:nvPr>
-            <p:ph type="title"/>
+            <p:ph idx="1"/>
           </p:nvPr>
         </p:nvSpPr>
-        <p:spPr/>
+        <p:spPr>
+          <a:xfrm>
+            <a:off x="1069848" y="725214"/>
+            <a:ext cx="10058400" cy="5446986"/>
+          </a:xfrm>
+        </p:spPr>
         <p:txBody>
-          <a:bodyPr/>
+          <a:bodyPr>
+            <a:normAutofit/>
+          </a:bodyPr>
           <a:lstStyle/>
           <a:p>
+            <a:pPr>
+              <a:lnSpc>
+                <a:spcPct val="200000"/>
+              </a:lnSpc>
+            </a:pPr>
             <a:r>
-              <a:rPr lang="en-US" dirty="0"/>
-              <a:t>Naïve Bayes </a:t>
+              <a:rPr lang="en-US" sz="3200" dirty="0"/>
+              <a:t>Today, we study </a:t>
             </a:r>
+            <a:r>
+              <a:rPr lang="en-US" sz="3200" b="1" dirty="0"/>
+              <a:t>generative classifiers</a:t>
+            </a:r>
+            <a:r>
+              <a:rPr lang="en-US" sz="3200" dirty="0"/>
+              <a:t> </a:t>
+            </a:r>
+          </a:p>
+          <a:p>
+            <a:pPr lvl="1">
+              <a:lnSpc>
+                <a:spcPct val="200000"/>
+              </a:lnSpc>
+            </a:pPr>
+            <a:r>
+              <a:rPr lang="en-US" sz="3000" dirty="0"/>
+              <a:t>Naïve Bayes</a:t>
+            </a:r>
+          </a:p>
+          <a:p>
+            <a:pPr>
+              <a:lnSpc>
+                <a:spcPct val="200000"/>
+              </a:lnSpc>
+            </a:pPr>
+            <a:r>
+              <a:rPr lang="en-US" sz="3200" dirty="0"/>
+              <a:t>Next class, we turn to </a:t>
+            </a:r>
+            <a:r>
+              <a:rPr lang="en-US" sz="3200" b="1" dirty="0"/>
+              <a:t>discriminative classifiers</a:t>
+            </a:r>
+          </a:p>
+          <a:p>
+            <a:pPr lvl="1">
+              <a:lnSpc>
+                <a:spcPct val="200000"/>
+              </a:lnSpc>
+            </a:pPr>
+            <a:r>
+              <a:rPr lang="en-US" sz="3000" dirty="0"/>
+              <a:t>Linear regression / Logistic regression</a:t>
+            </a:r>
+          </a:p>
+          <a:p>
+            <a:pPr>
+              <a:lnSpc>
+                <a:spcPct val="200000"/>
+              </a:lnSpc>
+            </a:pPr>
+            <a:endParaRPr lang="en-US" sz="2600" dirty="0"/>
           </a:p>
         </p:txBody>
       </p:sp>
-      <mc:AlternateContent xmlns:mc="http://schemas.openxmlformats.org/markup-compatibility/2006" xmlns:a14="http://schemas.microsoft.com/office/drawing/2010/main">
-        <mc:Choice Requires="a14">
-          <p:sp>
-            <p:nvSpPr>
-              <p:cNvPr id="3" name="Content Placeholder 2">
-                <a:extLst>
-                  <a:ext uri="{FF2B5EF4-FFF2-40B4-BE49-F238E27FC236}">
-                    <a16:creationId xmlns:a16="http://schemas.microsoft.com/office/drawing/2014/main" id="{4E8B1250-7ADB-DFF0-9E98-D6659035BBDF}"/>
-                  </a:ext>
-                </a:extLst>
-              </p:cNvPr>
-              <p:cNvSpPr>
-                <a:spLocks noGrp="1"/>
-              </p:cNvSpPr>
-              <p:nvPr>
-                <p:ph idx="1"/>
-              </p:nvPr>
-            </p:nvSpPr>
-            <p:spPr/>
-            <p:txBody>
-              <a:bodyPr>
-                <a:normAutofit/>
-              </a:bodyPr>
-              <a:lstStyle/>
-              <a:p>
-                <a:pPr>
-                  <a:lnSpc>
-                    <a:spcPct val="150000"/>
-                  </a:lnSpc>
-                </a:pPr>
-                <a:r>
-                  <a:rPr lang="en-US" sz="3200" dirty="0"/>
-                  <a:t>Simple Naïve Bayes classifier</a:t>
-                </a:r>
-              </a:p>
-              <a:p>
-                <a:pPr lvl="1">
-                  <a:lnSpc>
-                    <a:spcPct val="150000"/>
-                  </a:lnSpc>
-                </a:pPr>
-                <a:r>
-                  <a:rPr lang="en-US" sz="2800" dirty="0"/>
-                  <a:t>Rely on simplifying assumptions and very simple representation of document: </a:t>
-                </a:r>
-                <a:r>
-                  <a:rPr lang="en-US" sz="2800" b="1" dirty="0"/>
-                  <a:t>Bag of words</a:t>
-                </a:r>
-              </a:p>
-              <a:p>
-                <a:pPr>
-                  <a:lnSpc>
-                    <a:spcPct val="150000"/>
-                  </a:lnSpc>
-                </a:pPr>
-                <a:r>
-                  <a:rPr lang="en-US" sz="3000" dirty="0"/>
-                  <a:t>For a document </a:t>
-                </a:r>
-                <a:r>
-                  <a:rPr lang="en-US" sz="3000" i="1" dirty="0"/>
-                  <a:t>d</a:t>
-                </a:r>
-                <a:r>
-                  <a:rPr lang="en-US" sz="3000" dirty="0"/>
-                  <a:t> and class </a:t>
-                </a:r>
-                <a:r>
-                  <a:rPr lang="en-US" sz="3000" i="1" dirty="0"/>
-                  <a:t>c</a:t>
-                </a:r>
-              </a:p>
-              <a:p>
-                <a:pPr lvl="1">
-                  <a:lnSpc>
-                    <a:spcPct val="150000"/>
-                  </a:lnSpc>
-                </a:pPr>
-                <a14:m>
-                  <m:oMath xmlns:m="http://schemas.openxmlformats.org/officeDocument/2006/math">
-                    <m:acc>
-                      <m:accPr>
-                        <m:chr m:val="̂"/>
-                        <m:ctrlPr>
-                          <a:rPr lang="en-US" sz="2800" i="1" smtClean="0">
-                            <a:latin typeface="Cambria Math" panose="02040503050406030204" pitchFamily="18" charset="0"/>
-                          </a:rPr>
-                        </m:ctrlPr>
-                      </m:accPr>
-                      <m:e>
-                        <m:r>
-                          <a:rPr lang="en-US" sz="2800" b="0" i="1" smtClean="0">
-                            <a:latin typeface="Cambria Math" panose="02040503050406030204" pitchFamily="18" charset="0"/>
-                          </a:rPr>
-                          <m:t>𝑐</m:t>
-                        </m:r>
-                      </m:e>
-                    </m:acc>
-                    <m:r>
-                      <a:rPr lang="en-US" sz="2800" b="0" i="1" smtClean="0">
-                        <a:latin typeface="Cambria Math" panose="02040503050406030204" pitchFamily="18" charset="0"/>
-                      </a:rPr>
-                      <m:t>=</m:t>
-                    </m:r>
-                    <m:sSub>
-                      <m:sSubPr>
-                        <m:ctrlPr>
-                          <a:rPr lang="en-US" sz="2800" b="0" i="1" smtClean="0">
-                            <a:latin typeface="Cambria Math" panose="02040503050406030204" pitchFamily="18" charset="0"/>
-                          </a:rPr>
-                        </m:ctrlPr>
-                      </m:sSubPr>
-                      <m:e>
-                        <m:r>
-                          <m:rPr>
-                            <m:sty m:val="p"/>
-                          </m:rPr>
-                          <a:rPr lang="en-US" sz="2800" b="0" i="0" smtClean="0">
-                            <a:latin typeface="Cambria Math" panose="02040503050406030204" pitchFamily="18" charset="0"/>
-                          </a:rPr>
-                          <m:t>argmax</m:t>
-                        </m:r>
-                      </m:e>
-                      <m:sub>
-                        <m:r>
-                          <a:rPr lang="en-US" sz="2800" b="0" i="1" smtClean="0">
-                            <a:latin typeface="Cambria Math" panose="02040503050406030204" pitchFamily="18" charset="0"/>
-                          </a:rPr>
-                          <m:t>𝑐</m:t>
-                        </m:r>
-                        <m:r>
-                          <a:rPr lang="en-US" sz="2800" b="0" i="1" smtClean="0">
-                            <a:latin typeface="Cambria Math" panose="02040503050406030204" pitchFamily="18" charset="0"/>
-                          </a:rPr>
-                          <m:t>∈</m:t>
-                        </m:r>
-                        <m:r>
-                          <a:rPr lang="en-US" sz="2800" b="0" i="1" smtClean="0">
-                            <a:latin typeface="Cambria Math" panose="02040503050406030204" pitchFamily="18" charset="0"/>
-                          </a:rPr>
-                          <m:t>𝐶</m:t>
-                        </m:r>
-                      </m:sub>
-                    </m:sSub>
-                    <m:r>
-                      <a:rPr lang="en-US" sz="2800" b="0" i="1" smtClean="0">
-                        <a:latin typeface="Cambria Math" panose="02040503050406030204" pitchFamily="18" charset="0"/>
-                      </a:rPr>
-                      <m:t>𝑃</m:t>
-                    </m:r>
-                    <m:r>
-                      <a:rPr lang="en-US" sz="2800" b="0" i="1" smtClean="0">
-                        <a:latin typeface="Cambria Math" panose="02040503050406030204" pitchFamily="18" charset="0"/>
-                      </a:rPr>
-                      <m:t>(</m:t>
-                    </m:r>
-                    <m:r>
-                      <a:rPr lang="en-US" sz="2800" b="0" i="1" smtClean="0">
-                        <a:latin typeface="Cambria Math" panose="02040503050406030204" pitchFamily="18" charset="0"/>
-                      </a:rPr>
-                      <m:t>𝑐</m:t>
-                    </m:r>
-                    <m:r>
-                      <a:rPr lang="en-US" sz="2800" b="0" i="1" smtClean="0">
-                        <a:latin typeface="Cambria Math" panose="02040503050406030204" pitchFamily="18" charset="0"/>
-                      </a:rPr>
-                      <m:t>|</m:t>
-                    </m:r>
-                    <m:r>
-                      <a:rPr lang="en-US" sz="2800" b="0" i="1" smtClean="0">
-                        <a:latin typeface="Cambria Math" panose="02040503050406030204" pitchFamily="18" charset="0"/>
-                      </a:rPr>
-                      <m:t>𝑑</m:t>
-                    </m:r>
-                    <m:r>
-                      <a:rPr lang="en-US" sz="2800" b="0" i="1" smtClean="0">
-                        <a:latin typeface="Cambria Math" panose="02040503050406030204" pitchFamily="18" charset="0"/>
-                      </a:rPr>
-                      <m:t>)</m:t>
-                    </m:r>
-                  </m:oMath>
-                </a14:m>
-                <a:endParaRPr lang="en-US" sz="2800" dirty="0"/>
-              </a:p>
-              <a:p>
-                <a:pPr>
-                  <a:lnSpc>
-                    <a:spcPct val="150000"/>
-                  </a:lnSpc>
-                </a:pPr>
-                <a:endParaRPr lang="en-US" sz="3200" dirty="0"/>
-              </a:p>
-            </p:txBody>
-          </p:sp>
-        </mc:Choice>
-        <mc:Fallback xmlns="">
-          <p:sp>
-            <p:nvSpPr>
-              <p:cNvPr id="3" name="Content Placeholder 2">
-                <a:extLst>
-                  <a:ext uri="{FF2B5EF4-FFF2-40B4-BE49-F238E27FC236}">
-                    <a16:creationId xmlns:a16="http://schemas.microsoft.com/office/drawing/2014/main" id="{4E8B1250-7ADB-DFF0-9E98-D6659035BBDF}"/>
-                  </a:ext>
-                </a:extLst>
-              </p:cNvPr>
-              <p:cNvSpPr>
-                <a:spLocks noGrp="1" noRot="1" noChangeAspect="1" noMove="1" noResize="1" noEditPoints="1" noAdjustHandles="1" noChangeArrowheads="1" noChangeShapeType="1" noTextEdit="1"/>
-              </p:cNvSpPr>
-              <p:nvPr>
-                <p:ph idx="1"/>
-              </p:nvPr>
-            </p:nvSpPr>
-            <p:spPr>
-              <a:blipFill>
-                <a:blip r:embed="rId2"/>
-                <a:stretch>
-                  <a:fillRect l="-1009"/>
-                </a:stretch>
-              </a:blipFill>
-            </p:spPr>
-            <p:txBody>
-              <a:bodyPr/>
-              <a:lstStyle/>
-              <a:p>
-                <a:r>
-                  <a:rPr lang="en-US">
-                    <a:noFill/>
-                  </a:rPr>
-                  <a:t> </a:t>
-                </a:r>
-              </a:p>
-            </p:txBody>
-          </p:sp>
-        </mc:Fallback>
-      </mc:AlternateContent>
     </p:spTree>
     <p:extLst>
       <p:ext uri="{BB962C8B-B14F-4D97-AF65-F5344CB8AC3E}">
-        <p14:creationId xmlns:p14="http://schemas.microsoft.com/office/powerpoint/2010/main" val="1169019624"/>
+        <p14:creationId xmlns:p14="http://schemas.microsoft.com/office/powerpoint/2010/main" val="1301496069"/>
       </p:ext>
     </p:extLst>
   </p:cSld>
@@ -17148,649 +18593,75 @@
           <a:chExt cx="0" cy="0"/>
         </a:xfrm>
       </p:grpSpPr>
-      <mc:AlternateContent xmlns:mc="http://schemas.openxmlformats.org/markup-compatibility/2006" xmlns:a14="http://schemas.microsoft.com/office/drawing/2010/main">
-        <mc:Choice Requires="a14">
-          <p:sp>
-            <p:nvSpPr>
-              <p:cNvPr id="3" name="Content Placeholder 2">
-                <a:extLst>
-                  <a:ext uri="{FF2B5EF4-FFF2-40B4-BE49-F238E27FC236}">
-                    <a16:creationId xmlns:a16="http://schemas.microsoft.com/office/drawing/2014/main" id="{875C8943-9FB9-9CD2-E02E-DAA67F1AF5CC}"/>
-                  </a:ext>
-                </a:extLst>
-              </p:cNvPr>
-              <p:cNvSpPr>
-                <a:spLocks noGrp="1"/>
-              </p:cNvSpPr>
-              <p:nvPr>
-                <p:ph idx="1"/>
-              </p:nvPr>
-            </p:nvSpPr>
-            <p:spPr>
-              <a:xfrm>
-                <a:off x="1069848" y="725214"/>
-                <a:ext cx="10058400" cy="5446986"/>
-              </a:xfrm>
-            </p:spPr>
-            <p:txBody>
-              <a:bodyPr>
-                <a:normAutofit/>
-              </a:bodyPr>
-              <a:lstStyle/>
-              <a:p>
-                <a:pPr lvl="1">
-                  <a:lnSpc>
-                    <a:spcPct val="150000"/>
-                  </a:lnSpc>
-                </a:pPr>
-                <a14:m>
-                  <m:oMath xmlns:m="http://schemas.openxmlformats.org/officeDocument/2006/math">
-                    <m:acc>
-                      <m:accPr>
-                        <m:chr m:val="̂"/>
-                        <m:ctrlPr>
-                          <a:rPr lang="en-US" sz="3200" i="1" smtClean="0">
-                            <a:latin typeface="Cambria Math" panose="02040503050406030204" pitchFamily="18" charset="0"/>
-                          </a:rPr>
-                        </m:ctrlPr>
-                      </m:accPr>
-                      <m:e>
-                        <m:r>
-                          <a:rPr lang="en-US" sz="3200" b="0" i="1" smtClean="0">
-                            <a:latin typeface="Cambria Math" panose="02040503050406030204" pitchFamily="18" charset="0"/>
-                          </a:rPr>
-                          <m:t>𝑐</m:t>
-                        </m:r>
-                      </m:e>
-                    </m:acc>
-                    <m:r>
-                      <a:rPr lang="en-US" sz="3200" b="0" i="1" smtClean="0">
-                        <a:latin typeface="Cambria Math" panose="02040503050406030204" pitchFamily="18" charset="0"/>
-                      </a:rPr>
-                      <m:t>=</m:t>
-                    </m:r>
-                    <m:sSub>
-                      <m:sSubPr>
-                        <m:ctrlPr>
-                          <a:rPr lang="en-US" sz="3200" b="0" i="1" smtClean="0">
-                            <a:latin typeface="Cambria Math" panose="02040503050406030204" pitchFamily="18" charset="0"/>
-                          </a:rPr>
-                        </m:ctrlPr>
-                      </m:sSubPr>
-                      <m:e>
-                        <m:r>
-                          <m:rPr>
-                            <m:sty m:val="p"/>
-                          </m:rPr>
-                          <a:rPr lang="en-US" sz="3200" b="0" i="0" smtClean="0">
-                            <a:latin typeface="Cambria Math" panose="02040503050406030204" pitchFamily="18" charset="0"/>
-                          </a:rPr>
-                          <m:t>argmax</m:t>
-                        </m:r>
-                      </m:e>
-                      <m:sub>
-                        <m:r>
-                          <a:rPr lang="en-US" sz="3200" b="0" i="1" smtClean="0">
-                            <a:latin typeface="Cambria Math" panose="02040503050406030204" pitchFamily="18" charset="0"/>
-                          </a:rPr>
-                          <m:t>𝑐</m:t>
-                        </m:r>
-                        <m:r>
-                          <a:rPr lang="en-US" sz="3200" b="0" i="1" smtClean="0">
-                            <a:latin typeface="Cambria Math" panose="02040503050406030204" pitchFamily="18" charset="0"/>
-                          </a:rPr>
-                          <m:t>∈</m:t>
-                        </m:r>
-                        <m:r>
-                          <a:rPr lang="en-US" sz="3200" b="0" i="1" smtClean="0">
-                            <a:latin typeface="Cambria Math" panose="02040503050406030204" pitchFamily="18" charset="0"/>
-                          </a:rPr>
-                          <m:t>𝐶</m:t>
-                        </m:r>
-                      </m:sub>
-                    </m:sSub>
-                    <m:r>
-                      <a:rPr lang="en-US" sz="3200" b="0" i="1" smtClean="0">
-                        <a:latin typeface="Cambria Math" panose="02040503050406030204" pitchFamily="18" charset="0"/>
-                      </a:rPr>
-                      <m:t>𝑃</m:t>
-                    </m:r>
-                    <m:r>
-                      <a:rPr lang="en-US" sz="3200" b="0" i="1" smtClean="0">
-                        <a:latin typeface="Cambria Math" panose="02040503050406030204" pitchFamily="18" charset="0"/>
-                      </a:rPr>
-                      <m:t>(</m:t>
-                    </m:r>
-                    <m:r>
-                      <a:rPr lang="en-US" sz="3200" b="0" i="1" smtClean="0">
-                        <a:latin typeface="Cambria Math" panose="02040503050406030204" pitchFamily="18" charset="0"/>
-                      </a:rPr>
-                      <m:t>𝑐</m:t>
-                    </m:r>
-                    <m:r>
-                      <a:rPr lang="en-US" sz="3200" b="0" i="1" smtClean="0">
-                        <a:latin typeface="Cambria Math" panose="02040503050406030204" pitchFamily="18" charset="0"/>
-                      </a:rPr>
-                      <m:t>|</m:t>
-                    </m:r>
-                    <m:r>
-                      <a:rPr lang="en-US" sz="3200" b="0" i="1" smtClean="0">
-                        <a:latin typeface="Cambria Math" panose="02040503050406030204" pitchFamily="18" charset="0"/>
-                      </a:rPr>
-                      <m:t>𝑑</m:t>
-                    </m:r>
-                    <m:r>
-                      <a:rPr lang="en-US" sz="3200" b="0" i="1" smtClean="0">
-                        <a:latin typeface="Cambria Math" panose="02040503050406030204" pitchFamily="18" charset="0"/>
-                      </a:rPr>
-                      <m:t>)</m:t>
-                    </m:r>
-                  </m:oMath>
-                </a14:m>
-                <a:endParaRPr lang="en-US" sz="3200" dirty="0"/>
-              </a:p>
-              <a:p>
-                <a:pPr lvl="2">
-                  <a:lnSpc>
-                    <a:spcPct val="150000"/>
-                  </a:lnSpc>
-                </a:pPr>
-                <a:r>
-                  <a:rPr lang="en-US" sz="3000" dirty="0"/>
-                  <a:t>Estimate the correct class having the maximum posterior probability given </a:t>
-                </a:r>
-                <a:r>
-                  <a:rPr lang="en-US" sz="3000" i="1" dirty="0"/>
-                  <a:t>d </a:t>
-                </a:r>
-                <a:r>
-                  <a:rPr lang="en-US" sz="3000" dirty="0"/>
-                  <a:t>(most likely class)</a:t>
-                </a:r>
-              </a:p>
-              <a:p>
-                <a:pPr lvl="1">
-                  <a:lnSpc>
-                    <a:spcPct val="150000"/>
-                  </a:lnSpc>
-                </a:pPr>
-                <a:r>
-                  <a:rPr lang="en-US" sz="3200" dirty="0"/>
-                  <a:t>Applying Bayes Rule</a:t>
-                </a:r>
-              </a:p>
-              <a:p>
-                <a:pPr lvl="2">
-                  <a:lnSpc>
-                    <a:spcPct val="150000"/>
-                  </a:lnSpc>
-                </a:pPr>
-                <a14:m>
-                  <m:oMath xmlns:m="http://schemas.openxmlformats.org/officeDocument/2006/math">
-                    <m:acc>
-                      <m:accPr>
-                        <m:chr m:val="̂"/>
-                        <m:ctrlPr>
-                          <a:rPr lang="en-US" sz="2600" i="1" smtClean="0">
-                            <a:latin typeface="Cambria Math" panose="02040503050406030204" pitchFamily="18" charset="0"/>
-                          </a:rPr>
-                        </m:ctrlPr>
-                      </m:accPr>
-                      <m:e>
-                        <m:r>
-                          <a:rPr lang="en-US" sz="2600" b="0" i="1" smtClean="0">
-                            <a:latin typeface="Cambria Math" panose="02040503050406030204" pitchFamily="18" charset="0"/>
-                          </a:rPr>
-                          <m:t>𝑐</m:t>
-                        </m:r>
-                      </m:e>
-                    </m:acc>
-                    <m:r>
-                      <a:rPr lang="en-US" sz="2600" b="0" i="1" smtClean="0">
-                        <a:latin typeface="Cambria Math" panose="02040503050406030204" pitchFamily="18" charset="0"/>
-                      </a:rPr>
-                      <m:t>=</m:t>
-                    </m:r>
-                    <m:sSub>
-                      <m:sSubPr>
-                        <m:ctrlPr>
-                          <a:rPr lang="en-US" sz="2600" b="0" i="1" smtClean="0">
-                            <a:latin typeface="Cambria Math" panose="02040503050406030204" pitchFamily="18" charset="0"/>
-                          </a:rPr>
-                        </m:ctrlPr>
-                      </m:sSubPr>
-                      <m:e>
-                        <m:r>
-                          <m:rPr>
-                            <m:sty m:val="p"/>
-                          </m:rPr>
-                          <a:rPr lang="en-US" sz="2600" b="0" i="0" smtClean="0">
-                            <a:latin typeface="Cambria Math" panose="02040503050406030204" pitchFamily="18" charset="0"/>
-                          </a:rPr>
-                          <m:t>argmax</m:t>
-                        </m:r>
-                      </m:e>
-                      <m:sub>
-                        <m:r>
-                          <a:rPr lang="en-US" sz="2600" b="0" i="1" smtClean="0">
-                            <a:latin typeface="Cambria Math" panose="02040503050406030204" pitchFamily="18" charset="0"/>
-                          </a:rPr>
-                          <m:t>𝑐</m:t>
-                        </m:r>
-                        <m:r>
-                          <a:rPr lang="en-US" sz="2600" b="0" i="1" smtClean="0">
-                            <a:latin typeface="Cambria Math" panose="02040503050406030204" pitchFamily="18" charset="0"/>
-                          </a:rPr>
-                          <m:t>∈</m:t>
-                        </m:r>
-                        <m:r>
-                          <a:rPr lang="en-US" sz="2600" b="0" i="1" smtClean="0">
-                            <a:latin typeface="Cambria Math" panose="02040503050406030204" pitchFamily="18" charset="0"/>
-                          </a:rPr>
-                          <m:t>𝐶</m:t>
-                        </m:r>
-                      </m:sub>
-                    </m:sSub>
-                    <m:r>
-                      <a:rPr lang="en-US" sz="2600" b="0" i="1" smtClean="0">
-                        <a:latin typeface="Cambria Math" panose="02040503050406030204" pitchFamily="18" charset="0"/>
-                      </a:rPr>
-                      <m:t>𝑃</m:t>
-                    </m:r>
-                    <m:d>
-                      <m:dPr>
-                        <m:ctrlPr>
-                          <a:rPr lang="en-US" sz="2600" b="0" i="1" smtClean="0">
-                            <a:latin typeface="Cambria Math" panose="02040503050406030204" pitchFamily="18" charset="0"/>
-                          </a:rPr>
-                        </m:ctrlPr>
-                      </m:dPr>
-                      <m:e>
-                        <m:r>
-                          <a:rPr lang="en-US" sz="2600" b="0" i="1" smtClean="0">
-                            <a:latin typeface="Cambria Math" panose="02040503050406030204" pitchFamily="18" charset="0"/>
-                          </a:rPr>
-                          <m:t>𝑑</m:t>
-                        </m:r>
-                      </m:e>
-                      <m:e>
-                        <m:r>
-                          <a:rPr lang="en-US" sz="2600" b="0" i="1" smtClean="0">
-                            <a:latin typeface="Cambria Math" panose="02040503050406030204" pitchFamily="18" charset="0"/>
-                          </a:rPr>
-                          <m:t>𝑐</m:t>
-                        </m:r>
-                      </m:e>
-                    </m:d>
-                    <m:r>
-                      <a:rPr lang="en-US" sz="2600" b="0" i="1" smtClean="0">
-                        <a:latin typeface="Cambria Math" panose="02040503050406030204" pitchFamily="18" charset="0"/>
-                      </a:rPr>
-                      <m:t>𝑃</m:t>
-                    </m:r>
-                    <m:r>
-                      <a:rPr lang="en-US" sz="2600" b="0" i="1" smtClean="0">
-                        <a:latin typeface="Cambria Math" panose="02040503050406030204" pitchFamily="18" charset="0"/>
-                      </a:rPr>
-                      <m:t>(</m:t>
-                    </m:r>
-                    <m:r>
-                      <a:rPr lang="en-US" sz="2600" b="0" i="1" smtClean="0">
-                        <a:latin typeface="Cambria Math" panose="02040503050406030204" pitchFamily="18" charset="0"/>
-                      </a:rPr>
-                      <m:t>𝑐</m:t>
-                    </m:r>
-                    <m:r>
-                      <a:rPr lang="en-US" sz="2600" b="0" i="1" smtClean="0">
-                        <a:latin typeface="Cambria Math" panose="02040503050406030204" pitchFamily="18" charset="0"/>
-                      </a:rPr>
-                      <m:t>)</m:t>
-                    </m:r>
-                  </m:oMath>
-                </a14:m>
-                <a:endParaRPr lang="en-US" sz="2600" dirty="0"/>
-              </a:p>
-              <a:p>
-                <a:pPr lvl="2">
-                  <a:lnSpc>
-                    <a:spcPct val="150000"/>
-                  </a:lnSpc>
-                </a:pPr>
-                <a14:m>
-                  <m:oMath xmlns:m="http://schemas.openxmlformats.org/officeDocument/2006/math">
-                    <m:acc>
-                      <m:accPr>
-                        <m:chr m:val="̂"/>
-                        <m:ctrlPr>
-                          <a:rPr lang="en-US" sz="2600" i="1" smtClean="0">
-                            <a:latin typeface="Cambria Math" panose="02040503050406030204" pitchFamily="18" charset="0"/>
-                          </a:rPr>
-                        </m:ctrlPr>
-                      </m:accPr>
-                      <m:e>
-                        <m:r>
-                          <a:rPr lang="en-US" sz="2600" b="0" i="1" smtClean="0">
-                            <a:latin typeface="Cambria Math" panose="02040503050406030204" pitchFamily="18" charset="0"/>
-                          </a:rPr>
-                          <m:t>𝑐</m:t>
-                        </m:r>
-                      </m:e>
-                    </m:acc>
-                    <m:r>
-                      <a:rPr lang="en-US" sz="2600" b="0" i="1" smtClean="0">
-                        <a:latin typeface="Cambria Math" panose="02040503050406030204" pitchFamily="18" charset="0"/>
-                      </a:rPr>
-                      <m:t>=</m:t>
-                    </m:r>
-                    <m:sSub>
-                      <m:sSubPr>
-                        <m:ctrlPr>
-                          <a:rPr lang="en-US" sz="2600" b="0" i="1" smtClean="0">
-                            <a:latin typeface="Cambria Math" panose="02040503050406030204" pitchFamily="18" charset="0"/>
-                          </a:rPr>
-                        </m:ctrlPr>
-                      </m:sSubPr>
-                      <m:e>
-                        <m:r>
-                          <m:rPr>
-                            <m:sty m:val="p"/>
-                          </m:rPr>
-                          <a:rPr lang="en-US" sz="2600" b="0" i="0" smtClean="0">
-                            <a:latin typeface="Cambria Math" panose="02040503050406030204" pitchFamily="18" charset="0"/>
-                          </a:rPr>
-                          <m:t>argmax</m:t>
-                        </m:r>
-                      </m:e>
-                      <m:sub>
-                        <m:r>
-                          <a:rPr lang="en-US" sz="2600" b="0" i="1" smtClean="0">
-                            <a:latin typeface="Cambria Math" panose="02040503050406030204" pitchFamily="18" charset="0"/>
-                          </a:rPr>
-                          <m:t>𝑐</m:t>
-                        </m:r>
-                        <m:r>
-                          <a:rPr lang="en-US" sz="2600" b="0" i="1" smtClean="0">
-                            <a:latin typeface="Cambria Math" panose="02040503050406030204" pitchFamily="18" charset="0"/>
-                          </a:rPr>
-                          <m:t>∈</m:t>
-                        </m:r>
-                        <m:r>
-                          <a:rPr lang="en-US" sz="2600" b="0" i="1" smtClean="0">
-                            <a:latin typeface="Cambria Math" panose="02040503050406030204" pitchFamily="18" charset="0"/>
-                          </a:rPr>
-                          <m:t>𝐶</m:t>
-                        </m:r>
-                      </m:sub>
-                    </m:sSub>
-                    <m:r>
-                      <a:rPr lang="en-US" sz="2600" b="0" i="1" smtClean="0">
-                        <a:latin typeface="Cambria Math" panose="02040503050406030204" pitchFamily="18" charset="0"/>
-                      </a:rPr>
-                      <m:t>𝑃</m:t>
-                    </m:r>
-                    <m:d>
-                      <m:dPr>
-                        <m:ctrlPr>
-                          <a:rPr lang="en-US" sz="2600" b="0" i="1" smtClean="0">
-                            <a:latin typeface="Cambria Math" panose="02040503050406030204" pitchFamily="18" charset="0"/>
-                          </a:rPr>
-                        </m:ctrlPr>
-                      </m:dPr>
-                      <m:e>
-                        <m:sSub>
-                          <m:sSubPr>
-                            <m:ctrlPr>
-                              <a:rPr lang="en-US" sz="2600" b="0" i="1" smtClean="0">
-                                <a:latin typeface="Cambria Math" panose="02040503050406030204" pitchFamily="18" charset="0"/>
-                              </a:rPr>
-                            </m:ctrlPr>
-                          </m:sSubPr>
-                          <m:e>
-                            <m:r>
-                              <a:rPr lang="en-US" sz="2600" b="0" i="1" smtClean="0">
-                                <a:latin typeface="Cambria Math" panose="02040503050406030204" pitchFamily="18" charset="0"/>
-                              </a:rPr>
-                              <m:t>𝑥</m:t>
-                            </m:r>
-                          </m:e>
-                          <m:sub>
-                            <m:r>
-                              <a:rPr lang="en-US" sz="2600" b="0" i="1" smtClean="0">
-                                <a:latin typeface="Cambria Math" panose="02040503050406030204" pitchFamily="18" charset="0"/>
-                              </a:rPr>
-                              <m:t>1</m:t>
-                            </m:r>
-                          </m:sub>
-                        </m:sSub>
-                        <m:r>
-                          <a:rPr lang="en-US" sz="2600" b="0" i="1" smtClean="0">
-                            <a:latin typeface="Cambria Math" panose="02040503050406030204" pitchFamily="18" charset="0"/>
-                          </a:rPr>
-                          <m:t>,…,</m:t>
-                        </m:r>
-                        <m:sSub>
-                          <m:sSubPr>
-                            <m:ctrlPr>
-                              <a:rPr lang="en-US" sz="2600" b="0" i="1" smtClean="0">
-                                <a:latin typeface="Cambria Math" panose="02040503050406030204" pitchFamily="18" charset="0"/>
-                              </a:rPr>
-                            </m:ctrlPr>
-                          </m:sSubPr>
-                          <m:e>
-                            <m:r>
-                              <a:rPr lang="en-US" sz="2600" b="0" i="1" smtClean="0">
-                                <a:latin typeface="Cambria Math" panose="02040503050406030204" pitchFamily="18" charset="0"/>
-                              </a:rPr>
-                              <m:t>𝑥</m:t>
-                            </m:r>
-                          </m:e>
-                          <m:sub>
-                            <m:r>
-                              <a:rPr lang="en-US" sz="2600" b="0" i="1" smtClean="0">
-                                <a:latin typeface="Cambria Math" panose="02040503050406030204" pitchFamily="18" charset="0"/>
-                              </a:rPr>
-                              <m:t>𝑛</m:t>
-                            </m:r>
-                          </m:sub>
-                        </m:sSub>
-                      </m:e>
-                      <m:e>
-                        <m:r>
-                          <a:rPr lang="en-US" sz="2600" b="0" i="1" smtClean="0">
-                            <a:latin typeface="Cambria Math" panose="02040503050406030204" pitchFamily="18" charset="0"/>
-                          </a:rPr>
-                          <m:t>𝑐</m:t>
-                        </m:r>
-                      </m:e>
-                    </m:d>
-                    <m:r>
-                      <a:rPr lang="en-US" sz="2600" b="0" i="1" smtClean="0">
-                        <a:latin typeface="Cambria Math" panose="02040503050406030204" pitchFamily="18" charset="0"/>
-                      </a:rPr>
-                      <m:t>𝑃</m:t>
-                    </m:r>
-                    <m:r>
-                      <a:rPr lang="en-US" sz="2600" b="0" i="1" smtClean="0">
-                        <a:latin typeface="Cambria Math" panose="02040503050406030204" pitchFamily="18" charset="0"/>
-                      </a:rPr>
-                      <m:t>(</m:t>
-                    </m:r>
-                    <m:r>
-                      <a:rPr lang="en-US" sz="2600" b="0" i="1" smtClean="0">
-                        <a:latin typeface="Cambria Math" panose="02040503050406030204" pitchFamily="18" charset="0"/>
-                      </a:rPr>
-                      <m:t>𝑐</m:t>
-                    </m:r>
-                    <m:r>
-                      <a:rPr lang="en-US" sz="2600" b="0" i="1" smtClean="0">
-                        <a:latin typeface="Cambria Math" panose="02040503050406030204" pitchFamily="18" charset="0"/>
-                      </a:rPr>
-                      <m:t>)</m:t>
-                    </m:r>
-                  </m:oMath>
-                </a14:m>
-                <a:endParaRPr lang="en-US" sz="2600" dirty="0"/>
-              </a:p>
-              <a:p>
-                <a:pPr lvl="3">
-                  <a:lnSpc>
-                    <a:spcPct val="150000"/>
-                  </a:lnSpc>
-                </a:pPr>
-                <a:r>
-                  <a:rPr lang="en-US" sz="2600" dirty="0"/>
-                  <a:t>Hard to compute: </a:t>
-                </a:r>
-                <a14:m>
-                  <m:oMath xmlns:m="http://schemas.openxmlformats.org/officeDocument/2006/math">
-                    <m:r>
-                      <a:rPr lang="en-US" sz="2600" b="0" i="1" smtClean="0">
-                        <a:latin typeface="Cambria Math" panose="02040503050406030204" pitchFamily="18" charset="0"/>
-                      </a:rPr>
-                      <m:t>𝑂</m:t>
-                    </m:r>
-                    <m:r>
-                      <a:rPr lang="en-US" sz="2600" b="0" i="1" smtClean="0">
-                        <a:latin typeface="Cambria Math" panose="02040503050406030204" pitchFamily="18" charset="0"/>
-                      </a:rPr>
-                      <m:t>(</m:t>
-                    </m:r>
-                    <m:sSup>
-                      <m:sSupPr>
-                        <m:ctrlPr>
-                          <a:rPr lang="en-US" sz="2600" b="0" i="1" smtClean="0">
-                            <a:latin typeface="Cambria Math" panose="02040503050406030204" pitchFamily="18" charset="0"/>
-                          </a:rPr>
-                        </m:ctrlPr>
-                      </m:sSupPr>
-                      <m:e>
-                        <m:d>
-                          <m:dPr>
-                            <m:begChr m:val="|"/>
-                            <m:endChr m:val="|"/>
-                            <m:ctrlPr>
-                              <a:rPr lang="en-US" sz="2600" b="0" i="1" smtClean="0">
-                                <a:latin typeface="Cambria Math" panose="02040503050406030204" pitchFamily="18" charset="0"/>
-                              </a:rPr>
-                            </m:ctrlPr>
-                          </m:dPr>
-                          <m:e>
-                            <m:r>
-                              <a:rPr lang="en-US" sz="2600" b="0" i="1" smtClean="0">
-                                <a:latin typeface="Cambria Math" panose="02040503050406030204" pitchFamily="18" charset="0"/>
-                              </a:rPr>
-                              <m:t>𝑋</m:t>
-                            </m:r>
-                          </m:e>
-                        </m:d>
-                      </m:e>
-                      <m:sup>
-                        <m:r>
-                          <a:rPr lang="en-US" sz="2600" b="0" i="1" smtClean="0">
-                            <a:latin typeface="Cambria Math" panose="02040503050406030204" pitchFamily="18" charset="0"/>
-                          </a:rPr>
-                          <m:t>𝑛</m:t>
-                        </m:r>
-                      </m:sup>
-                    </m:sSup>
-                    <m:r>
-                      <a:rPr lang="en-US" sz="2600" b="0" i="1" smtClean="0">
-                        <a:latin typeface="Cambria Math" panose="02040503050406030204" pitchFamily="18" charset="0"/>
-                      </a:rPr>
-                      <m:t>⋅</m:t>
-                    </m:r>
-                    <m:d>
-                      <m:dPr>
-                        <m:begChr m:val="|"/>
-                        <m:endChr m:val="|"/>
-                        <m:ctrlPr>
-                          <a:rPr lang="en-US" sz="2600" b="0" i="1" smtClean="0">
-                            <a:latin typeface="Cambria Math" panose="02040503050406030204" pitchFamily="18" charset="0"/>
-                          </a:rPr>
-                        </m:ctrlPr>
-                      </m:dPr>
-                      <m:e>
-                        <m:r>
-                          <a:rPr lang="en-US" sz="2600" b="0" i="1" smtClean="0">
-                            <a:latin typeface="Cambria Math" panose="02040503050406030204" pitchFamily="18" charset="0"/>
-                          </a:rPr>
-                          <m:t>𝐶</m:t>
-                        </m:r>
-                      </m:e>
-                    </m:d>
-                    <m:r>
-                      <a:rPr lang="en-US" sz="2600" b="0" i="1" smtClean="0">
-                        <a:latin typeface="Cambria Math" panose="02040503050406030204" pitchFamily="18" charset="0"/>
-                      </a:rPr>
-                      <m:t>)</m:t>
-                    </m:r>
-                  </m:oMath>
-                </a14:m>
-                <a:r>
-                  <a:rPr lang="en-US" sz="2600" dirty="0"/>
-                  <a:t> parameters</a:t>
-                </a:r>
-              </a:p>
-              <a:p>
-                <a:pPr marL="548640" lvl="2" indent="0">
-                  <a:lnSpc>
-                    <a:spcPct val="150000"/>
-                  </a:lnSpc>
-                  <a:buNone/>
-                </a:pPr>
-                <a:endParaRPr lang="en-US" sz="3000" dirty="0"/>
-              </a:p>
-            </p:txBody>
-          </p:sp>
-        </mc:Choice>
-        <mc:Fallback xmlns="">
-          <p:sp>
-            <p:nvSpPr>
-              <p:cNvPr id="3" name="Content Placeholder 2">
-                <a:extLst>
-                  <a:ext uri="{FF2B5EF4-FFF2-40B4-BE49-F238E27FC236}">
-                    <a16:creationId xmlns:a16="http://schemas.microsoft.com/office/drawing/2014/main" id="{875C8943-9FB9-9CD2-E02E-DAA67F1AF5CC}"/>
-                  </a:ext>
-                </a:extLst>
-              </p:cNvPr>
-              <p:cNvSpPr>
-                <a:spLocks noGrp="1" noRot="1" noChangeAspect="1" noMove="1" noResize="1" noEditPoints="1" noAdjustHandles="1" noChangeArrowheads="1" noChangeShapeType="1" noTextEdit="1"/>
-              </p:cNvSpPr>
-              <p:nvPr>
-                <p:ph idx="1"/>
-              </p:nvPr>
-            </p:nvSpPr>
-            <p:spPr>
-              <a:xfrm>
-                <a:off x="1069848" y="725214"/>
-                <a:ext cx="10058400" cy="5446986"/>
-              </a:xfrm>
-              <a:blipFill>
-                <a:blip r:embed="rId2"/>
-                <a:stretch>
-                  <a:fillRect/>
-                </a:stretch>
-              </a:blipFill>
-            </p:spPr>
-            <p:txBody>
-              <a:bodyPr/>
-              <a:lstStyle/>
-              <a:p>
-                <a:r>
-                  <a:rPr lang="en-US">
-                    <a:noFill/>
-                  </a:rPr>
-                  <a:t> </a:t>
-                </a:r>
-              </a:p>
-            </p:txBody>
-          </p:sp>
-        </mc:Fallback>
-      </mc:AlternateContent>
+      <p:sp>
+        <p:nvSpPr>
+          <p:cNvPr id="2" name="Title 1">
+            <a:extLst>
+              <a:ext uri="{FF2B5EF4-FFF2-40B4-BE49-F238E27FC236}">
+                <a16:creationId xmlns:a16="http://schemas.microsoft.com/office/drawing/2014/main" id="{DD352388-789F-3DDC-49FE-01A9E95305E2}"/>
+              </a:ext>
+            </a:extLst>
+          </p:cNvPr>
+          <p:cNvSpPr>
+            <a:spLocks noGrp="1"/>
+          </p:cNvSpPr>
+          <p:nvPr>
+            <p:ph type="title"/>
+          </p:nvPr>
+        </p:nvSpPr>
+        <p:spPr/>
+        <p:txBody>
+          <a:bodyPr/>
+          <a:lstStyle/>
+          <a:p>
+            <a:r>
+              <a:rPr lang="en-US" dirty="0"/>
+              <a:t>Naïve Bayes </a:t>
+            </a:r>
+          </a:p>
+        </p:txBody>
+      </p:sp>
+      <p:sp>
+        <p:nvSpPr>
+          <p:cNvPr id="3" name="Content Placeholder 2">
+            <a:extLst>
+              <a:ext uri="{FF2B5EF4-FFF2-40B4-BE49-F238E27FC236}">
+                <a16:creationId xmlns:a16="http://schemas.microsoft.com/office/drawing/2014/main" id="{6C4FD45A-008D-B8F7-B3F8-AD1AC0A2814E}"/>
+              </a:ext>
+            </a:extLst>
+          </p:cNvPr>
+          <p:cNvSpPr>
+            <a:spLocks noGrp="1"/>
+          </p:cNvSpPr>
+          <p:nvPr>
+            <p:ph idx="1"/>
+          </p:nvPr>
+        </p:nvSpPr>
+        <p:spPr/>
+        <p:txBody>
+          <a:bodyPr/>
+          <a:lstStyle/>
+          <a:p>
+            <a:r>
+              <a:rPr lang="en-US" dirty="0"/>
+              <a:t>Let’s review Naïve Bayes in code</a:t>
+            </a:r>
+          </a:p>
+          <a:p>
+            <a:r>
+              <a:rPr lang="en-US" dirty="0"/>
+              <a:t>Now think about the text application</a:t>
+            </a:r>
+          </a:p>
+          <a:p>
+            <a:endParaRPr lang="en-US" dirty="0"/>
+          </a:p>
+        </p:txBody>
+      </p:sp>
     </p:spTree>
     <p:extLst>
       <p:ext uri="{BB962C8B-B14F-4D97-AF65-F5344CB8AC3E}">
-        <p14:creationId xmlns:p14="http://schemas.microsoft.com/office/powerpoint/2010/main" val="831828903"/>
+        <p14:creationId xmlns:p14="http://schemas.microsoft.com/office/powerpoint/2010/main" val="1919848200"/>
       </p:ext>
     </p:extLst>
   </p:cSld>
